--- a/SQiPSymposium2024_CardGame.pptx
+++ b/SQiPSymposium2024_CardGame.pptx
@@ -5,7 +5,7 @@
     <p:sldMasterId id="2147483648" r:id="rId1"/>
   </p:sldMasterIdLst>
   <p:notesMasterIdLst>
-    <p:notesMasterId r:id="rId26"/>
+    <p:notesMasterId r:id="rId27"/>
   </p:notesMasterIdLst>
   <p:sldIdLst>
     <p:sldId id="256" r:id="rId2"/>
@@ -24,14 +24,15 @@
     <p:sldId id="269" r:id="rId15"/>
     <p:sldId id="270" r:id="rId16"/>
     <p:sldId id="271" r:id="rId17"/>
-    <p:sldId id="272" r:id="rId18"/>
-    <p:sldId id="273" r:id="rId19"/>
-    <p:sldId id="274" r:id="rId20"/>
+    <p:sldId id="273" r:id="rId18"/>
+    <p:sldId id="274" r:id="rId19"/>
+    <p:sldId id="280" r:id="rId20"/>
     <p:sldId id="275" r:id="rId21"/>
     <p:sldId id="276" r:id="rId22"/>
     <p:sldId id="277" r:id="rId23"/>
     <p:sldId id="278" r:id="rId24"/>
     <p:sldId id="279" r:id="rId25"/>
+    <p:sldId id="272" r:id="rId26"/>
   </p:sldIdLst>
   <p:sldSz cx="24384000" cy="13716000"/>
   <p:notesSz cx="6858000" cy="9144000"/>
@@ -333,6 +334,11 @@
       </a:defRPr>
     </a:lvl9pPr>
   </p:defaultTextStyle>
+  <p:extLst>
+    <p:ext uri="{EFAFB233-063F-42B5-8137-9DF3F51BA10A}">
+      <p15:sldGuideLst xmlns:p15="http://schemas.microsoft.com/office/powerpoint/2012/main"/>
+    </p:ext>
+  </p:extLst>
 </p:presentation>
 </file>
 
@@ -3541,7 +3547,7 @@
           </a:ln>
           <a:extLst>
             <a:ext uri="{C572A759-6A51-4108-AA02-DFA0A04FC94B}">
-              <ma14:wrappingTextBoxFlag xmlns:ma14="http://schemas.microsoft.com/office/mac/drawingml/2011/main" xmlns:a14="http://schemas.microsoft.com/office/drawing/2010/main" xmlns:m="http://schemas.openxmlformats.org/officeDocument/2006/math" xmlns="" val="1"/>
+              <ma14:wrappingTextBoxFlag xmlns="" xmlns:m="http://schemas.openxmlformats.org/officeDocument/2006/math" xmlns:a14="http://schemas.microsoft.com/office/drawing/2010/main" xmlns:ma14="http://schemas.microsoft.com/office/mac/drawingml/2011/main" val="1"/>
             </a:ext>
           </a:extLst>
         </p:spPr>
@@ -3580,7 +3586,7 @@
           </a:ln>
           <a:extLst>
             <a:ext uri="{C572A759-6A51-4108-AA02-DFA0A04FC94B}">
-              <ma14:wrappingTextBoxFlag xmlns:ma14="http://schemas.microsoft.com/office/mac/drawingml/2011/main" xmlns:a14="http://schemas.microsoft.com/office/drawing/2010/main" xmlns:m="http://schemas.openxmlformats.org/officeDocument/2006/math" xmlns="" val="1"/>
+              <ma14:wrappingTextBoxFlag xmlns="" xmlns:m="http://schemas.openxmlformats.org/officeDocument/2006/math" xmlns:a14="http://schemas.microsoft.com/office/drawing/2010/main" xmlns:ma14="http://schemas.microsoft.com/office/mac/drawingml/2011/main" val="1"/>
             </a:ext>
           </a:extLst>
         </p:spPr>
@@ -4427,7 +4433,7 @@
           </a:prstGeom>
           <a:extLst>
             <a:ext uri="{C572A759-6A51-4108-AA02-DFA0A04FC94B}">
-              <ma14:wrappingTextBoxFlag xmlns:ma14="http://schemas.microsoft.com/office/mac/drawingml/2011/main" xmlns:a14="http://schemas.microsoft.com/office/drawing/2010/main" xmlns:m="http://schemas.openxmlformats.org/officeDocument/2006/math" xmlns="" val="1"/>
+              <ma14:wrappingTextBoxFlag xmlns="" xmlns:m="http://schemas.openxmlformats.org/officeDocument/2006/math" xmlns:a14="http://schemas.microsoft.com/office/drawing/2010/main" xmlns:ma14="http://schemas.microsoft.com/office/mac/drawingml/2011/main" val="1"/>
             </a:ext>
           </a:extLst>
         </p:spPr>
@@ -4561,7 +4567,6 @@
           <a:lstStyle/>
           <a:p>
             <a:r>
-              <a:rPr dirty="0"/>
               <a:t>ゲームによる効果</a:t>
             </a:r>
           </a:p>
@@ -4583,7 +4588,7 @@
           </a:prstGeom>
           <a:extLst>
             <a:ext uri="{C572A759-6A51-4108-AA02-DFA0A04FC94B}">
-              <ma14:wrappingTextBoxFlag xmlns:ma14="http://schemas.microsoft.com/office/mac/drawingml/2011/main" xmlns:a14="http://schemas.microsoft.com/office/drawing/2010/main" xmlns:m="http://schemas.openxmlformats.org/officeDocument/2006/math" xmlns="" val="1"/>
+              <ma14:wrappingTextBoxFlag xmlns="" xmlns:m="http://schemas.openxmlformats.org/officeDocument/2006/math" xmlns:a14="http://schemas.microsoft.com/office/drawing/2010/main" xmlns:ma14="http://schemas.microsoft.com/office/mac/drawingml/2011/main" val="1"/>
             </a:ext>
           </a:extLst>
         </p:spPr>
@@ -4592,7 +4597,6 @@
           <a:lstStyle/>
           <a:p>
             <a:r>
-              <a:rPr dirty="0"/>
               <a:t>プラクティスの認知と議論を通じた理解が得られる</a:t>
             </a:r>
           </a:p>
@@ -4631,7 +4635,6 @@
               <a:defRPr sz="3648"/>
             </a:pPr>
             <a:r>
-              <a:rPr dirty="0"/>
               <a:t>自動テストの経験年数が異なる、業務として自動テストに関わる人8名がこのゲームをプレイした際の定性評価を示す</a:t>
             </a:r>
           </a:p>
@@ -4646,7 +4649,6 @@
               <a:defRPr sz="3648"/>
             </a:pPr>
             <a:r>
-              <a:rPr dirty="0"/>
               <a:t>プラクティスを知る機会になった</a:t>
             </a:r>
           </a:p>
@@ -4661,7 +4663,6 @@
               <a:defRPr sz="3648"/>
             </a:pPr>
             <a:r>
-              <a:rPr dirty="0"/>
               <a:t>他の人でもゲームが面白いと感じたら覚えられそう</a:t>
             </a:r>
           </a:p>
@@ -4676,7 +4677,6 @@
               <a:defRPr sz="3648"/>
             </a:pPr>
             <a:r>
-              <a:rPr dirty="0"/>
               <a:t>他者が取った課題とプラクティスの組み合わせを覚えていない</a:t>
             </a:r>
           </a:p>
@@ -4691,7 +4691,6 @@
               <a:defRPr sz="3648"/>
             </a:pPr>
             <a:r>
-              <a:rPr dirty="0"/>
               <a:t>議論が学びには良かった</a:t>
             </a:r>
           </a:p>
@@ -4706,7 +4705,6 @@
               <a:defRPr sz="3648"/>
             </a:pPr>
             <a:r>
-              <a:rPr dirty="0"/>
               <a:t>議論が白熱して面白かった</a:t>
             </a:r>
           </a:p>
@@ -4721,7 +4719,6 @@
               <a:defRPr sz="3648"/>
             </a:pPr>
             <a:r>
-              <a:rPr dirty="0"/>
               <a:t>色んな意見が聞けて楽しかった</a:t>
             </a:r>
           </a:p>
@@ -4736,7 +4733,6 @@
               <a:defRPr sz="3648"/>
             </a:pPr>
             <a:r>
-              <a:rPr dirty="0"/>
               <a:t>課題カードやプラクティスカードを作る工程も勉強になりそう</a:t>
             </a:r>
           </a:p>
@@ -4788,7 +4784,6 @@
           <a:lstStyle/>
           <a:p>
             <a:r>
-              <a:rPr dirty="0"/>
               <a:t>ゲームの具体的な流れを再現</a:t>
             </a:r>
           </a:p>
@@ -4840,7 +4835,6 @@
           <a:lstStyle/>
           <a:p>
             <a:r>
-              <a:rPr dirty="0"/>
               <a:t>ゲームの準備</a:t>
             </a:r>
           </a:p>
@@ -4862,7 +4856,7 @@
           </a:prstGeom>
           <a:extLst>
             <a:ext uri="{C572A759-6A51-4108-AA02-DFA0A04FC94B}">
-              <ma14:wrappingTextBoxFlag xmlns:ma14="http://schemas.microsoft.com/office/mac/drawingml/2011/main" xmlns:a14="http://schemas.microsoft.com/office/drawing/2010/main" xmlns:m="http://schemas.openxmlformats.org/officeDocument/2006/math" xmlns="" val="1"/>
+              <ma14:wrappingTextBoxFlag xmlns="" xmlns:m="http://schemas.openxmlformats.org/officeDocument/2006/math" xmlns:a14="http://schemas.microsoft.com/office/drawing/2010/main" xmlns:ma14="http://schemas.microsoft.com/office/mac/drawingml/2011/main" val="1"/>
             </a:ext>
           </a:extLst>
         </p:spPr>
@@ -4871,7 +4865,6 @@
           <a:lstStyle/>
           <a:p>
             <a:r>
-              <a:rPr dirty="0"/>
               <a:t>準備自体もゲーム参加者でおこなうと会話が進みます</a:t>
             </a:r>
           </a:p>
@@ -4912,7 +4905,7 @@
               <a:defRPr sz="2400"/>
             </a:pPr>
             <a:r>
-              <a:rPr sz="2800" dirty="0"/>
+              <a:rPr sz="2800"/>
               <a:t>2名以上でプラクティスカードと課題カードを準備します</a:t>
             </a:r>
           </a:p>
@@ -4927,7 +4920,7 @@
               <a:defRPr sz="2400"/>
             </a:pPr>
             <a:r>
-              <a:rPr sz="2800" dirty="0"/>
+              <a:rPr sz="2800"/>
               <a:t>「あー、この課題うちでもあるね」</a:t>
             </a:r>
           </a:p>
@@ -4942,7 +4935,7 @@
               <a:defRPr sz="2400"/>
             </a:pPr>
             <a:r>
-              <a:rPr sz="2800" dirty="0"/>
+              <a:rPr sz="2800"/>
               <a:t>「このプラクティスってどんな意味だろう。だれかわかる？」</a:t>
             </a:r>
           </a:p>
@@ -4957,7 +4950,7 @@
               <a:defRPr sz="2400"/>
             </a:pPr>
             <a:r>
-              <a:rPr sz="2800" dirty="0"/>
+              <a:rPr sz="2800"/>
               <a:t>「それって、XXXってことですよ」</a:t>
             </a:r>
           </a:p>
@@ -4972,7 +4965,7 @@
               <a:defRPr sz="2400"/>
             </a:pPr>
             <a:r>
-              <a:rPr sz="2800" dirty="0"/>
+              <a:rPr sz="2800"/>
               <a:t>「なるほどね。ありがとう」</a:t>
             </a:r>
           </a:p>
@@ -4987,7 +4980,7 @@
               <a:defRPr sz="2400"/>
             </a:pPr>
             <a:r>
-              <a:rPr sz="2800" dirty="0"/>
+              <a:rPr sz="2800"/>
               <a:t>「へー、こういうプラクティスがあるんだー」</a:t>
             </a:r>
           </a:p>
@@ -5002,7 +4995,7 @@
               <a:defRPr sz="2400"/>
             </a:pPr>
             <a:r>
-              <a:rPr sz="2800" dirty="0"/>
+              <a:rPr sz="2800"/>
               <a:t>プラクティスカードは全体で25枚程度。プレイヤーに、5枚ずつプラクティスカードを本人のみ内容が見える形で配り、残りのプラクティスカードをプラクティスカードの山札として、プレイヤーの中心に置く。</a:t>
             </a:r>
           </a:p>
@@ -5017,7 +5010,7 @@
               <a:defRPr sz="2400"/>
             </a:pPr>
             <a:r>
-              <a:rPr sz="2800" dirty="0"/>
+              <a:rPr sz="2800"/>
               <a:t>「このプラティス、ちょっと意味が分からなかったので、意味の分かる他のモノに入れ替えますね」</a:t>
             </a:r>
           </a:p>
@@ -5032,7 +5025,7 @@
               <a:defRPr sz="2400"/>
             </a:pPr>
             <a:r>
-              <a:rPr sz="2800" dirty="0"/>
+              <a:rPr sz="2800"/>
               <a:t>課題カードを、課題が見える形で場に5枚置く。残りの課題カードを課題カードの山札として、プラクティスカードの山札の隣に置く。</a:t>
             </a:r>
           </a:p>
@@ -5047,7 +5040,7 @@
               <a:defRPr sz="2400"/>
             </a:pPr>
             <a:r>
-              <a:rPr sz="2800" dirty="0"/>
+              <a:rPr sz="2800"/>
               <a:t>「今回はまずゲームを知るために初期セットの課題使うけど、次回は自分達の自動テストの課題を出して、それに対してやってみようね」</a:t>
             </a:r>
           </a:p>
@@ -5687,7 +5680,7 @@
                   </a:solidFill>
                 </a:defRPr>
               </a:pPr>
-              <a:endParaRPr dirty="0"/>
+              <a:endParaRPr/>
             </a:p>
           </p:txBody>
         </p:sp>
@@ -5732,7 +5725,7 @@
                 </a:spcBef>
                 <a:defRPr sz="3200"/>
               </a:pPr>
-              <a:endParaRPr dirty="0"/>
+              <a:endParaRPr/>
             </a:p>
           </p:txBody>
         </p:sp>
@@ -6795,7 +6788,7 @@
                     </a:solidFill>
                   </a:defRPr>
                 </a:pPr>
-                <a:endParaRPr dirty="0"/>
+                <a:endParaRPr/>
               </a:p>
             </p:txBody>
           </p:sp>
@@ -6917,7 +6910,7 @@
                     </a:solidFill>
                   </a:defRPr>
                 </a:pPr>
-                <a:endParaRPr dirty="0"/>
+                <a:endParaRPr/>
               </a:p>
             </p:txBody>
           </p:sp>
@@ -7039,7 +7032,7 @@
                     </a:solidFill>
                   </a:defRPr>
                 </a:pPr>
-                <a:endParaRPr dirty="0"/>
+                <a:endParaRPr/>
               </a:p>
             </p:txBody>
           </p:sp>
@@ -7161,7 +7154,7 @@
                     </a:solidFill>
                   </a:defRPr>
                 </a:pPr>
-                <a:endParaRPr dirty="0"/>
+                <a:endParaRPr/>
               </a:p>
             </p:txBody>
           </p:sp>
@@ -7283,7 +7276,7 @@
                     </a:solidFill>
                   </a:defRPr>
                 </a:pPr>
-                <a:endParaRPr dirty="0"/>
+                <a:endParaRPr/>
               </a:p>
             </p:txBody>
           </p:sp>
@@ -7405,7 +7398,7 @@
                     </a:solidFill>
                   </a:defRPr>
                 </a:pPr>
-                <a:endParaRPr dirty="0"/>
+                <a:endParaRPr/>
               </a:p>
             </p:txBody>
           </p:sp>
@@ -7522,7 +7515,7 @@
                 </a:spcBef>
                 <a:defRPr sz="3200"/>
               </a:pPr>
-              <a:endParaRPr dirty="0"/>
+              <a:endParaRPr/>
             </a:p>
           </p:txBody>
         </p:sp>
@@ -7567,7 +7560,7 @@
                 </a:spcBef>
                 <a:defRPr sz="3200"/>
               </a:pPr>
-              <a:endParaRPr dirty="0"/>
+              <a:endParaRPr/>
             </a:p>
           </p:txBody>
         </p:sp>
@@ -7661,7 +7654,7 @@
                 </a:spcBef>
                 <a:defRPr sz="3200"/>
               </a:pPr>
-              <a:endParaRPr dirty="0"/>
+              <a:endParaRPr/>
             </a:p>
           </p:txBody>
         </p:sp>
@@ -7709,7 +7702,7 @@
                 </a:spcBef>
                 <a:defRPr sz="3200"/>
               </a:pPr>
-              <a:endParaRPr dirty="0"/>
+              <a:endParaRPr/>
             </a:p>
           </p:txBody>
         </p:sp>
@@ -7834,7 +7827,7 @@
                       </a:solidFill>
                     </a:defRPr>
                   </a:pPr>
-                  <a:endParaRPr dirty="0"/>
+                  <a:endParaRPr/>
                 </a:p>
               </p:txBody>
             </p:sp>
@@ -7956,7 +7949,7 @@
                       </a:solidFill>
                     </a:defRPr>
                   </a:pPr>
-                  <a:endParaRPr dirty="0"/>
+                  <a:endParaRPr/>
                 </a:p>
               </p:txBody>
             </p:sp>
@@ -8078,7 +8071,7 @@
                       </a:solidFill>
                     </a:defRPr>
                   </a:pPr>
-                  <a:endParaRPr dirty="0"/>
+                  <a:endParaRPr/>
                 </a:p>
               </p:txBody>
             </p:sp>
@@ -8200,7 +8193,7 @@
                       </a:solidFill>
                     </a:defRPr>
                   </a:pPr>
-                  <a:endParaRPr dirty="0"/>
+                  <a:endParaRPr/>
                 </a:p>
               </p:txBody>
             </p:sp>
@@ -8322,7 +8315,7 @@
                       </a:solidFill>
                     </a:defRPr>
                   </a:pPr>
-                  <a:endParaRPr dirty="0"/>
+                  <a:endParaRPr/>
                 </a:p>
               </p:txBody>
             </p:sp>
@@ -8444,7 +8437,7 @@
                       </a:solidFill>
                     </a:defRPr>
                   </a:pPr>
-                  <a:endParaRPr dirty="0"/>
+                  <a:endParaRPr/>
                 </a:p>
               </p:txBody>
             </p:sp>
@@ -8581,7 +8574,7 @@
                       </a:solidFill>
                     </a:defRPr>
                   </a:pPr>
-                  <a:endParaRPr dirty="0"/>
+                  <a:endParaRPr/>
                 </a:p>
               </p:txBody>
             </p:sp>
@@ -8703,7 +8696,7 @@
                       </a:solidFill>
                     </a:defRPr>
                   </a:pPr>
-                  <a:endParaRPr dirty="0"/>
+                  <a:endParaRPr/>
                 </a:p>
               </p:txBody>
             </p:sp>
@@ -8825,7 +8818,7 @@
                       </a:solidFill>
                     </a:defRPr>
                   </a:pPr>
-                  <a:endParaRPr dirty="0"/>
+                  <a:endParaRPr/>
                 </a:p>
               </p:txBody>
             </p:sp>
@@ -8947,7 +8940,7 @@
                       </a:solidFill>
                     </a:defRPr>
                   </a:pPr>
-                  <a:endParaRPr dirty="0"/>
+                  <a:endParaRPr/>
                 </a:p>
               </p:txBody>
             </p:sp>
@@ -9069,7 +9062,7 @@
                       </a:solidFill>
                     </a:defRPr>
                   </a:pPr>
-                  <a:endParaRPr dirty="0"/>
+                  <a:endParaRPr/>
                 </a:p>
               </p:txBody>
             </p:sp>
@@ -9191,7 +9184,7 @@
                       </a:solidFill>
                     </a:defRPr>
                   </a:pPr>
-                  <a:endParaRPr dirty="0"/>
+                  <a:endParaRPr/>
                 </a:p>
               </p:txBody>
             </p:sp>
@@ -9313,7 +9306,7 @@
                   </a:solidFill>
                 </a:defRPr>
               </a:pPr>
-              <a:endParaRPr dirty="0"/>
+              <a:endParaRPr/>
             </a:p>
           </p:txBody>
         </p:sp>
@@ -9358,7 +9351,7 @@
                 </a:spcBef>
                 <a:defRPr sz="3200"/>
               </a:pPr>
-              <a:endParaRPr dirty="0"/>
+              <a:endParaRPr/>
             </a:p>
           </p:txBody>
         </p:sp>
@@ -9449,7 +9442,7 @@
                 </a:spcBef>
                 <a:defRPr sz="3200"/>
               </a:pPr>
-              <a:endParaRPr dirty="0"/>
+              <a:endParaRPr/>
             </a:p>
           </p:txBody>
         </p:sp>
@@ -9494,7 +9487,7 @@
                 </a:spcBef>
                 <a:defRPr sz="3200"/>
               </a:pPr>
-              <a:endParaRPr dirty="0"/>
+              <a:endParaRPr/>
             </a:p>
           </p:txBody>
         </p:sp>
@@ -9588,7 +9581,7 @@
                 </a:spcBef>
                 <a:defRPr sz="3200"/>
               </a:pPr>
-              <a:endParaRPr dirty="0"/>
+              <a:endParaRPr/>
             </a:p>
           </p:txBody>
         </p:sp>
@@ -9636,7 +9629,7 @@
                 </a:spcBef>
                 <a:defRPr sz="3200"/>
               </a:pPr>
-              <a:endParaRPr dirty="0"/>
+              <a:endParaRPr/>
             </a:p>
           </p:txBody>
         </p:sp>
@@ -9730,7 +9723,7 @@
                 </a:spcBef>
                 <a:defRPr sz="3200"/>
               </a:pPr>
-              <a:endParaRPr dirty="0"/>
+              <a:endParaRPr/>
             </a:p>
           </p:txBody>
         </p:sp>
@@ -9778,7 +9771,7 @@
                 </a:spcBef>
                 <a:defRPr sz="3200"/>
               </a:pPr>
-              <a:endParaRPr dirty="0"/>
+              <a:endParaRPr/>
             </a:p>
           </p:txBody>
         </p:sp>
@@ -9873,7 +9866,7 @@
                   </a:solidFill>
                 </a:defRPr>
               </a:pPr>
-              <a:endParaRPr dirty="0"/>
+              <a:endParaRPr/>
             </a:p>
           </p:txBody>
         </p:sp>
@@ -9918,7 +9911,7 @@
                 </a:spcBef>
                 <a:defRPr sz="3200"/>
               </a:pPr>
-              <a:endParaRPr dirty="0"/>
+              <a:endParaRPr/>
             </a:p>
           </p:txBody>
         </p:sp>
@@ -10009,7 +10002,7 @@
                 </a:spcBef>
                 <a:defRPr sz="3200"/>
               </a:pPr>
-              <a:endParaRPr dirty="0"/>
+              <a:endParaRPr/>
             </a:p>
           </p:txBody>
         </p:sp>
@@ -10054,7 +10047,7 @@
                 </a:spcBef>
                 <a:defRPr sz="3200"/>
               </a:pPr>
-              <a:endParaRPr dirty="0"/>
+              <a:endParaRPr/>
             </a:p>
           </p:txBody>
         </p:sp>
@@ -10149,7 +10142,7 @@
                   </a:solidFill>
                 </a:defRPr>
               </a:pPr>
-              <a:endParaRPr dirty="0"/>
+              <a:endParaRPr/>
             </a:p>
           </p:txBody>
         </p:sp>
@@ -10194,7 +10187,7 @@
                 </a:spcBef>
                 <a:defRPr sz="3200"/>
               </a:pPr>
-              <a:endParaRPr dirty="0"/>
+              <a:endParaRPr/>
             </a:p>
           </p:txBody>
         </p:sp>
@@ -10245,7 +10238,6 @@
           <a:lstStyle/>
           <a:p>
             <a:r>
-              <a:rPr dirty="0"/>
               <a:t>ゲームの進め方</a:t>
             </a:r>
           </a:p>
@@ -10267,7 +10259,7 @@
           </a:prstGeom>
           <a:extLst>
             <a:ext uri="{C572A759-6A51-4108-AA02-DFA0A04FC94B}">
-              <ma14:wrappingTextBoxFlag xmlns:ma14="http://schemas.microsoft.com/office/mac/drawingml/2011/main" xmlns:a14="http://schemas.microsoft.com/office/drawing/2010/main" xmlns:m="http://schemas.openxmlformats.org/officeDocument/2006/math" xmlns="" val="1"/>
+              <ma14:wrappingTextBoxFlag xmlns="" xmlns:m="http://schemas.openxmlformats.org/officeDocument/2006/math" xmlns:a14="http://schemas.microsoft.com/office/drawing/2010/main" xmlns:ma14="http://schemas.microsoft.com/office/mac/drawingml/2011/main" val="1"/>
             </a:ext>
           </a:extLst>
         </p:spPr>
@@ -10276,7 +10268,6 @@
           <a:lstStyle/>
           <a:p>
             <a:r>
-              <a:rPr dirty="0"/>
               <a:t>議論の時間が最大の学びです</a:t>
             </a:r>
           </a:p>
@@ -10317,7 +10308,7 @@
               <a:defRPr sz="2496"/>
             </a:pPr>
             <a:r>
-              <a:rPr sz="2600" dirty="0"/>
+              <a:rPr sz="2600"/>
               <a:t>各プレイヤーが順番に、場にある課題カードに対して、その課題を解決できると思うプラクティスを出して、課題カードを獲得していく。</a:t>
             </a:r>
           </a:p>
@@ -10332,7 +10323,7 @@
               <a:defRPr sz="2496"/>
             </a:pPr>
             <a:r>
-              <a:rPr sz="2600" dirty="0"/>
+              <a:rPr sz="2600"/>
               <a:t>「では、まずはプラクティスカードを1枚取るね」</a:t>
             </a:r>
           </a:p>
@@ -10347,7 +10338,7 @@
               <a:defRPr sz="2496"/>
             </a:pPr>
             <a:r>
-              <a:rPr sz="2600" dirty="0"/>
+              <a:rPr sz="2600"/>
               <a:t>「その上で、場にある「プロジェクトへのテスト自動化導入が上手く進まない」と言う課題に対して、「課題が顕在化しているところからテスト自動化していく」というプラクティスで解決すると思うけど、いいかな？」</a:t>
             </a:r>
           </a:p>
@@ -10362,7 +10353,7 @@
               <a:defRPr sz="2496"/>
             </a:pPr>
             <a:r>
-              <a:rPr sz="2600" dirty="0"/>
+              <a:rPr sz="2600"/>
               <a:t>「えー、何でそれで解決するの？もう少し説明して貰って良い？」</a:t>
             </a:r>
           </a:p>
@@ -10377,7 +10368,7 @@
               <a:defRPr sz="2496"/>
             </a:pPr>
             <a:r>
-              <a:rPr sz="2600" dirty="0"/>
+              <a:rPr sz="2600"/>
               <a:t>「課題があると認識しているということは、課題を解決するために多少のコストを払うモチベーションを持っていて、その解決策として自動テストが使えるなら、テスト自動化を導入すると思うんですよね」</a:t>
             </a:r>
           </a:p>
@@ -10392,7 +10383,7 @@
               <a:defRPr sz="2496"/>
             </a:pPr>
             <a:r>
-              <a:rPr sz="2600" dirty="0"/>
+              <a:rPr sz="2600"/>
               <a:t>「確かに。課題が自動テストで解決できるものなら導入が進むかもね」</a:t>
             </a:r>
           </a:p>
@@ -10407,7 +10398,7 @@
               <a:defRPr sz="2496"/>
             </a:pPr>
             <a:r>
-              <a:rPr sz="2600" dirty="0"/>
+              <a:rPr sz="2600"/>
               <a:t>「どんなプロジェクトでも適用できる訳ではないけど、一部のプロジェクトなら良さそう。いいんじゃないかな」</a:t>
             </a:r>
           </a:p>
@@ -10422,7 +10413,7 @@
               <a:defRPr sz="2496"/>
             </a:pPr>
             <a:r>
-              <a:rPr sz="2600" dirty="0"/>
+              <a:rPr sz="2600"/>
               <a:t>「では、この課題カードはとるねー」</a:t>
             </a:r>
           </a:p>
@@ -10437,7 +10428,7 @@
               <a:defRPr sz="2496"/>
             </a:pPr>
             <a:r>
-              <a:rPr sz="2600" dirty="0"/>
+              <a:rPr sz="2600"/>
               <a:t>「次は、ブルーさんどうぞ」</a:t>
             </a:r>
           </a:p>
@@ -11909,7 +11900,7 @@
                     </a:solidFill>
                   </a:defRPr>
                 </a:pPr>
-                <a:endParaRPr dirty="0"/>
+                <a:endParaRPr/>
               </a:p>
             </p:txBody>
           </p:sp>
@@ -12031,7 +12022,7 @@
                     </a:solidFill>
                   </a:defRPr>
                 </a:pPr>
-                <a:endParaRPr dirty="0"/>
+                <a:endParaRPr/>
               </a:p>
             </p:txBody>
           </p:sp>
@@ -12153,7 +12144,7 @@
                     </a:solidFill>
                   </a:defRPr>
                 </a:pPr>
-                <a:endParaRPr dirty="0"/>
+                <a:endParaRPr/>
               </a:p>
             </p:txBody>
           </p:sp>
@@ -12275,7 +12266,7 @@
                     </a:solidFill>
                   </a:defRPr>
                 </a:pPr>
-                <a:endParaRPr dirty="0"/>
+                <a:endParaRPr/>
               </a:p>
             </p:txBody>
           </p:sp>
@@ -12397,7 +12388,7 @@
                     </a:solidFill>
                   </a:defRPr>
                 </a:pPr>
-                <a:endParaRPr dirty="0"/>
+                <a:endParaRPr/>
               </a:p>
             </p:txBody>
           </p:sp>
@@ -12519,7 +12510,7 @@
                     </a:solidFill>
                   </a:defRPr>
                 </a:pPr>
-                <a:endParaRPr dirty="0"/>
+                <a:endParaRPr/>
               </a:p>
             </p:txBody>
           </p:sp>
@@ -12670,7 +12661,7 @@
                       </a:solidFill>
                     </a:defRPr>
                   </a:pPr>
-                  <a:endParaRPr dirty="0"/>
+                  <a:endParaRPr/>
                 </a:p>
               </p:txBody>
             </p:sp>
@@ -12792,7 +12783,7 @@
                       </a:solidFill>
                     </a:defRPr>
                   </a:pPr>
-                  <a:endParaRPr dirty="0"/>
+                  <a:endParaRPr/>
                 </a:p>
               </p:txBody>
             </p:sp>
@@ -12914,7 +12905,7 @@
                       </a:solidFill>
                     </a:defRPr>
                   </a:pPr>
-                  <a:endParaRPr dirty="0"/>
+                  <a:endParaRPr/>
                 </a:p>
               </p:txBody>
             </p:sp>
@@ -13036,7 +13027,7 @@
                       </a:solidFill>
                     </a:defRPr>
                   </a:pPr>
-                  <a:endParaRPr dirty="0"/>
+                  <a:endParaRPr/>
                 </a:p>
               </p:txBody>
             </p:sp>
@@ -13158,7 +13149,7 @@
                       </a:solidFill>
                     </a:defRPr>
                   </a:pPr>
-                  <a:endParaRPr dirty="0"/>
+                  <a:endParaRPr/>
                 </a:p>
               </p:txBody>
             </p:sp>
@@ -13280,7 +13271,7 @@
                       </a:solidFill>
                     </a:defRPr>
                   </a:pPr>
-                  <a:endParaRPr dirty="0"/>
+                  <a:endParaRPr/>
                 </a:p>
               </p:txBody>
             </p:sp>
@@ -13417,7 +13408,7 @@
                       </a:solidFill>
                     </a:defRPr>
                   </a:pPr>
-                  <a:endParaRPr dirty="0"/>
+                  <a:endParaRPr/>
                 </a:p>
               </p:txBody>
             </p:sp>
@@ -13539,7 +13530,7 @@
                       </a:solidFill>
                     </a:defRPr>
                   </a:pPr>
-                  <a:endParaRPr dirty="0"/>
+                  <a:endParaRPr/>
                 </a:p>
               </p:txBody>
             </p:sp>
@@ -13661,7 +13652,7 @@
                       </a:solidFill>
                     </a:defRPr>
                   </a:pPr>
-                  <a:endParaRPr dirty="0"/>
+                  <a:endParaRPr/>
                 </a:p>
               </p:txBody>
             </p:sp>
@@ -13783,7 +13774,7 @@
                       </a:solidFill>
                     </a:defRPr>
                   </a:pPr>
-                  <a:endParaRPr dirty="0"/>
+                  <a:endParaRPr/>
                 </a:p>
               </p:txBody>
             </p:sp>
@@ -13905,7 +13896,7 @@
                       </a:solidFill>
                     </a:defRPr>
                   </a:pPr>
-                  <a:endParaRPr dirty="0"/>
+                  <a:endParaRPr/>
                 </a:p>
               </p:txBody>
             </p:sp>
@@ -14027,7 +14018,7 @@
                       </a:solidFill>
                     </a:defRPr>
                   </a:pPr>
-                  <a:endParaRPr dirty="0"/>
+                  <a:endParaRPr/>
                 </a:p>
               </p:txBody>
             </p:sp>
@@ -14217,7 +14208,7 @@
                   </a:solidFill>
                 </a:defRPr>
               </a:pPr>
-              <a:endParaRPr dirty="0"/>
+              <a:endParaRPr/>
             </a:p>
           </p:txBody>
         </p:sp>
@@ -14262,7 +14253,7 @@
                 </a:spcBef>
                 <a:defRPr sz="3200"/>
               </a:pPr>
-              <a:endParaRPr dirty="0"/>
+              <a:endParaRPr/>
             </a:p>
           </p:txBody>
         </p:sp>
@@ -14353,7 +14344,7 @@
                 </a:spcBef>
                 <a:defRPr sz="3200"/>
               </a:pPr>
-              <a:endParaRPr dirty="0"/>
+              <a:endParaRPr/>
             </a:p>
           </p:txBody>
         </p:sp>
@@ -14398,7 +14389,7 @@
                 </a:spcBef>
                 <a:defRPr sz="3200"/>
               </a:pPr>
-              <a:endParaRPr dirty="0"/>
+              <a:endParaRPr/>
             </a:p>
           </p:txBody>
         </p:sp>
@@ -14492,7 +14483,7 @@
                 </a:spcBef>
                 <a:defRPr sz="3200"/>
               </a:pPr>
-              <a:endParaRPr dirty="0"/>
+              <a:endParaRPr/>
             </a:p>
           </p:txBody>
         </p:sp>
@@ -14540,7 +14531,7 @@
                 </a:spcBef>
                 <a:defRPr sz="3200"/>
               </a:pPr>
-              <a:endParaRPr dirty="0"/>
+              <a:endParaRPr/>
             </a:p>
           </p:txBody>
         </p:sp>
@@ -14631,7 +14622,7 @@
                 </a:spcBef>
                 <a:defRPr sz="3200"/>
               </a:pPr>
-              <a:endParaRPr dirty="0"/>
+              <a:endParaRPr/>
             </a:p>
           </p:txBody>
         </p:sp>
@@ -14676,7 +14667,7 @@
                 </a:spcBef>
                 <a:defRPr sz="3200"/>
               </a:pPr>
-              <a:endParaRPr dirty="0"/>
+              <a:endParaRPr/>
             </a:p>
           </p:txBody>
         </p:sp>
@@ -14770,7 +14761,7 @@
                 </a:spcBef>
                 <a:defRPr sz="3200"/>
               </a:pPr>
-              <a:endParaRPr dirty="0"/>
+              <a:endParaRPr/>
             </a:p>
           </p:txBody>
         </p:sp>
@@ -14818,7 +14809,7 @@
                 </a:spcBef>
                 <a:defRPr sz="3200"/>
               </a:pPr>
-              <a:endParaRPr dirty="0"/>
+              <a:endParaRPr/>
             </a:p>
           </p:txBody>
         </p:sp>
@@ -14913,7 +14904,7 @@
                   </a:solidFill>
                 </a:defRPr>
               </a:pPr>
-              <a:endParaRPr dirty="0"/>
+              <a:endParaRPr/>
             </a:p>
           </p:txBody>
         </p:sp>
@@ -14958,7 +14949,7 @@
                 </a:spcBef>
                 <a:defRPr sz="3200"/>
               </a:pPr>
-              <a:endParaRPr dirty="0"/>
+              <a:endParaRPr/>
             </a:p>
           </p:txBody>
         </p:sp>
@@ -15053,7 +15044,7 @@
                   </a:solidFill>
                 </a:defRPr>
               </a:pPr>
-              <a:endParaRPr dirty="0"/>
+              <a:endParaRPr/>
             </a:p>
           </p:txBody>
         </p:sp>
@@ -15098,7 +15089,7 @@
                 </a:spcBef>
                 <a:defRPr sz="3200"/>
               </a:pPr>
-              <a:endParaRPr dirty="0"/>
+              <a:endParaRPr/>
             </a:p>
           </p:txBody>
         </p:sp>
@@ -15189,7 +15180,7 @@
                 </a:spcBef>
                 <a:defRPr sz="3200"/>
               </a:pPr>
-              <a:endParaRPr dirty="0"/>
+              <a:endParaRPr/>
             </a:p>
           </p:txBody>
         </p:sp>
@@ -15234,7 +15225,7 @@
                 </a:spcBef>
                 <a:defRPr sz="3200"/>
               </a:pPr>
-              <a:endParaRPr dirty="0"/>
+              <a:endParaRPr/>
             </a:p>
           </p:txBody>
         </p:sp>
@@ -15325,7 +15316,7 @@
                 </a:spcBef>
                 <a:defRPr sz="3200"/>
               </a:pPr>
-              <a:endParaRPr dirty="0"/>
+              <a:endParaRPr/>
             </a:p>
           </p:txBody>
         </p:sp>
@@ -15370,7 +15361,7 @@
                 </a:spcBef>
                 <a:defRPr sz="3200"/>
               </a:pPr>
-              <a:endParaRPr dirty="0"/>
+              <a:endParaRPr/>
             </a:p>
           </p:txBody>
         </p:sp>
@@ -15461,7 +15452,7 @@
                 </a:spcBef>
                 <a:defRPr sz="3200"/>
               </a:pPr>
-              <a:endParaRPr dirty="0"/>
+              <a:endParaRPr/>
             </a:p>
           </p:txBody>
         </p:sp>
@@ -15506,7 +15497,7 @@
                 </a:spcBef>
                 <a:defRPr sz="3200"/>
               </a:pPr>
-              <a:endParaRPr dirty="0"/>
+              <a:endParaRPr/>
             </a:p>
           </p:txBody>
         </p:sp>
@@ -15597,7 +15588,7 @@
                 </a:spcBef>
                 <a:defRPr sz="3200"/>
               </a:pPr>
-              <a:endParaRPr dirty="0"/>
+              <a:endParaRPr/>
             </a:p>
           </p:txBody>
         </p:sp>
@@ -15642,7 +15633,7 @@
                 </a:spcBef>
                 <a:defRPr sz="3200"/>
               </a:pPr>
-              <a:endParaRPr dirty="0"/>
+              <a:endParaRPr/>
             </a:p>
           </p:txBody>
         </p:sp>
@@ -15693,7 +15684,6 @@
           <a:lstStyle/>
           <a:p>
             <a:r>
-              <a:rPr dirty="0"/>
               <a:t>ゲームの進め方</a:t>
             </a:r>
           </a:p>
@@ -15715,7 +15705,7 @@
           </a:prstGeom>
           <a:extLst>
             <a:ext uri="{C572A759-6A51-4108-AA02-DFA0A04FC94B}">
-              <ma14:wrappingTextBoxFlag xmlns:ma14="http://schemas.microsoft.com/office/mac/drawingml/2011/main" xmlns:a14="http://schemas.microsoft.com/office/drawing/2010/main" xmlns:m="http://schemas.openxmlformats.org/officeDocument/2006/math" xmlns="" val="1"/>
+              <ma14:wrappingTextBoxFlag xmlns="" xmlns:m="http://schemas.openxmlformats.org/officeDocument/2006/math" xmlns:a14="http://schemas.microsoft.com/office/drawing/2010/main" xmlns:ma14="http://schemas.microsoft.com/office/mac/drawingml/2011/main" val="1"/>
             </a:ext>
           </a:extLst>
         </p:spPr>
@@ -15728,7 +15718,6 @@
           </a:lstStyle>
           <a:p>
             <a:r>
-              <a:rPr dirty="0"/>
               <a:t>適用が適切か議論することで、プラクティスの適用条件などを学べます</a:t>
             </a:r>
           </a:p>
@@ -15769,7 +15758,7 @@
               <a:defRPr sz="2736"/>
             </a:pPr>
             <a:r>
-              <a:rPr sz="2600" dirty="0"/>
+              <a:rPr sz="2600"/>
               <a:t>各プレイヤーが順番に、場にある課題カードに対して、その課題を解決できると思うプラクティスを出して、課題カードを獲得していく。</a:t>
             </a:r>
           </a:p>
@@ -15784,7 +15773,7 @@
               <a:defRPr sz="2736"/>
             </a:pPr>
             <a:r>
-              <a:rPr sz="2600" dirty="0"/>
+              <a:rPr sz="2600"/>
               <a:t>「プラクティスカードを1枚取って、「どのような自動テストシナリオが効果的か分かりづらい」という課題に対して、「自動テストをやり過ぎない」をいうプラクティスでどうかな？」</a:t>
             </a:r>
           </a:p>
@@ -15799,7 +15788,7 @@
               <a:defRPr sz="2736"/>
             </a:pPr>
             <a:r>
-              <a:rPr sz="2600" dirty="0"/>
+              <a:rPr sz="2600"/>
               <a:t>「うーん、やりすぎないって効果を得るためには有効だと思うけど、分かりづらさに対しては関係なくない？」</a:t>
             </a:r>
           </a:p>
@@ -15814,7 +15803,7 @@
               <a:defRPr sz="2736"/>
             </a:pPr>
             <a:r>
-              <a:rPr sz="2600" dirty="0"/>
+              <a:rPr sz="2600"/>
               <a:t>「私もそう思う。ブルーさん、解決できそうって思った理由を教えて貰って良い？」</a:t>
             </a:r>
           </a:p>
@@ -15829,7 +15818,7 @@
               <a:defRPr sz="2736"/>
             </a:pPr>
             <a:r>
-              <a:rPr sz="2600" dirty="0"/>
+              <a:rPr sz="2600"/>
               <a:t>「プラクティスがよく分かってないけど、効果が分かる範囲で自動テスト進めるってことで分かりづらい状況は作りにくいかなと思って」</a:t>
             </a:r>
           </a:p>
@@ -15844,7 +15833,7 @@
               <a:defRPr sz="2736"/>
             </a:pPr>
             <a:r>
-              <a:rPr sz="2600" dirty="0"/>
+              <a:rPr sz="2600"/>
               <a:t>「だよね。それだと予防的には効果ありそうだけど、分かりづらい状況には効果なさそう」</a:t>
             </a:r>
           </a:p>
@@ -15859,7 +15848,7 @@
               <a:defRPr sz="2736"/>
             </a:pPr>
             <a:r>
-              <a:rPr sz="2600" dirty="0"/>
+              <a:rPr sz="2600"/>
               <a:t>「確かに。では、このプラクティスは取り下げますね。」</a:t>
             </a:r>
           </a:p>
@@ -15874,7 +15863,7 @@
               <a:defRPr sz="2736"/>
             </a:pPr>
             <a:r>
-              <a:rPr sz="2600" dirty="0"/>
+              <a:rPr sz="2600"/>
               <a:t>「次、イエローさんどうぞ」</a:t>
             </a:r>
           </a:p>
@@ -17346,7 +17335,7 @@
                     </a:solidFill>
                   </a:defRPr>
                 </a:pPr>
-                <a:endParaRPr dirty="0"/>
+                <a:endParaRPr/>
               </a:p>
             </p:txBody>
           </p:sp>
@@ -17468,7 +17457,7 @@
                     </a:solidFill>
                   </a:defRPr>
                 </a:pPr>
-                <a:endParaRPr dirty="0"/>
+                <a:endParaRPr/>
               </a:p>
             </p:txBody>
           </p:sp>
@@ -17590,7 +17579,7 @@
                     </a:solidFill>
                   </a:defRPr>
                 </a:pPr>
-                <a:endParaRPr dirty="0"/>
+                <a:endParaRPr/>
               </a:p>
             </p:txBody>
           </p:sp>
@@ -17712,7 +17701,7 @@
                     </a:solidFill>
                   </a:defRPr>
                 </a:pPr>
-                <a:endParaRPr dirty="0"/>
+                <a:endParaRPr/>
               </a:p>
             </p:txBody>
           </p:sp>
@@ -17834,7 +17823,7 @@
                     </a:solidFill>
                   </a:defRPr>
                 </a:pPr>
-                <a:endParaRPr dirty="0"/>
+                <a:endParaRPr/>
               </a:p>
             </p:txBody>
           </p:sp>
@@ -17956,7 +17945,7 @@
                     </a:solidFill>
                   </a:defRPr>
                 </a:pPr>
-                <a:endParaRPr dirty="0"/>
+                <a:endParaRPr/>
               </a:p>
             </p:txBody>
           </p:sp>
@@ -18107,7 +18096,7 @@
                       </a:solidFill>
                     </a:defRPr>
                   </a:pPr>
-                  <a:endParaRPr dirty="0"/>
+                  <a:endParaRPr/>
                 </a:p>
               </p:txBody>
             </p:sp>
@@ -18229,7 +18218,7 @@
                       </a:solidFill>
                     </a:defRPr>
                   </a:pPr>
-                  <a:endParaRPr dirty="0"/>
+                  <a:endParaRPr/>
                 </a:p>
               </p:txBody>
             </p:sp>
@@ -18351,7 +18340,7 @@
                       </a:solidFill>
                     </a:defRPr>
                   </a:pPr>
-                  <a:endParaRPr dirty="0"/>
+                  <a:endParaRPr/>
                 </a:p>
               </p:txBody>
             </p:sp>
@@ -18473,7 +18462,7 @@
                       </a:solidFill>
                     </a:defRPr>
                   </a:pPr>
-                  <a:endParaRPr dirty="0"/>
+                  <a:endParaRPr/>
                 </a:p>
               </p:txBody>
             </p:sp>
@@ -18595,7 +18584,7 @@
                       </a:solidFill>
                     </a:defRPr>
                   </a:pPr>
-                  <a:endParaRPr dirty="0"/>
+                  <a:endParaRPr/>
                 </a:p>
               </p:txBody>
             </p:sp>
@@ -18717,7 +18706,7 @@
                       </a:solidFill>
                     </a:defRPr>
                   </a:pPr>
-                  <a:endParaRPr dirty="0"/>
+                  <a:endParaRPr/>
                 </a:p>
               </p:txBody>
             </p:sp>
@@ -18854,7 +18843,7 @@
                       </a:solidFill>
                     </a:defRPr>
                   </a:pPr>
-                  <a:endParaRPr dirty="0"/>
+                  <a:endParaRPr/>
                 </a:p>
               </p:txBody>
             </p:sp>
@@ -18976,7 +18965,7 @@
                       </a:solidFill>
                     </a:defRPr>
                   </a:pPr>
-                  <a:endParaRPr dirty="0"/>
+                  <a:endParaRPr/>
                 </a:p>
               </p:txBody>
             </p:sp>
@@ -19098,7 +19087,7 @@
                       </a:solidFill>
                     </a:defRPr>
                   </a:pPr>
-                  <a:endParaRPr dirty="0"/>
+                  <a:endParaRPr/>
                 </a:p>
               </p:txBody>
             </p:sp>
@@ -19220,7 +19209,7 @@
                       </a:solidFill>
                     </a:defRPr>
                   </a:pPr>
-                  <a:endParaRPr dirty="0"/>
+                  <a:endParaRPr/>
                 </a:p>
               </p:txBody>
             </p:sp>
@@ -19342,7 +19331,7 @@
                       </a:solidFill>
                     </a:defRPr>
                   </a:pPr>
-                  <a:endParaRPr dirty="0"/>
+                  <a:endParaRPr/>
                 </a:p>
               </p:txBody>
             </p:sp>
@@ -19464,7 +19453,7 @@
                       </a:solidFill>
                     </a:defRPr>
                   </a:pPr>
-                  <a:endParaRPr dirty="0"/>
+                  <a:endParaRPr/>
                 </a:p>
               </p:txBody>
             </p:sp>
@@ -19654,7 +19643,7 @@
                   </a:solidFill>
                 </a:defRPr>
               </a:pPr>
-              <a:endParaRPr dirty="0"/>
+              <a:endParaRPr/>
             </a:p>
           </p:txBody>
         </p:sp>
@@ -19699,7 +19688,7 @@
                 </a:spcBef>
                 <a:defRPr sz="3200"/>
               </a:pPr>
-              <a:endParaRPr dirty="0"/>
+              <a:endParaRPr/>
             </a:p>
           </p:txBody>
         </p:sp>
@@ -19790,7 +19779,7 @@
                 </a:spcBef>
                 <a:defRPr sz="3200"/>
               </a:pPr>
-              <a:endParaRPr dirty="0"/>
+              <a:endParaRPr/>
             </a:p>
           </p:txBody>
         </p:sp>
@@ -19835,7 +19824,7 @@
                 </a:spcBef>
                 <a:defRPr sz="3200"/>
               </a:pPr>
-              <a:endParaRPr dirty="0"/>
+              <a:endParaRPr/>
             </a:p>
           </p:txBody>
         </p:sp>
@@ -19929,7 +19918,7 @@
                 </a:spcBef>
                 <a:defRPr sz="3200"/>
               </a:pPr>
-              <a:endParaRPr dirty="0"/>
+              <a:endParaRPr/>
             </a:p>
           </p:txBody>
         </p:sp>
@@ -19977,7 +19966,7 @@
                 </a:spcBef>
                 <a:defRPr sz="3200"/>
               </a:pPr>
-              <a:endParaRPr dirty="0"/>
+              <a:endParaRPr/>
             </a:p>
           </p:txBody>
         </p:sp>
@@ -20072,7 +20061,7 @@
                   </a:solidFill>
                 </a:defRPr>
               </a:pPr>
-              <a:endParaRPr dirty="0"/>
+              <a:endParaRPr/>
             </a:p>
           </p:txBody>
         </p:sp>
@@ -20117,7 +20106,7 @@
                 </a:spcBef>
                 <a:defRPr sz="3200"/>
               </a:pPr>
-              <a:endParaRPr dirty="0"/>
+              <a:endParaRPr/>
             </a:p>
           </p:txBody>
         </p:sp>
@@ -20208,7 +20197,7 @@
                 </a:spcBef>
                 <a:defRPr sz="3200"/>
               </a:pPr>
-              <a:endParaRPr dirty="0"/>
+              <a:endParaRPr/>
             </a:p>
           </p:txBody>
         </p:sp>
@@ -20253,7 +20242,7 @@
                 </a:spcBef>
                 <a:defRPr sz="3200"/>
               </a:pPr>
-              <a:endParaRPr dirty="0"/>
+              <a:endParaRPr/>
             </a:p>
           </p:txBody>
         </p:sp>
@@ -20347,7 +20336,7 @@
                 </a:spcBef>
                 <a:defRPr sz="3200"/>
               </a:pPr>
-              <a:endParaRPr dirty="0"/>
+              <a:endParaRPr/>
             </a:p>
           </p:txBody>
         </p:sp>
@@ -20395,7 +20384,7 @@
                 </a:spcBef>
                 <a:defRPr sz="3200"/>
               </a:pPr>
-              <a:endParaRPr dirty="0"/>
+              <a:endParaRPr/>
             </a:p>
           </p:txBody>
         </p:sp>
@@ -20490,7 +20479,7 @@
                   </a:solidFill>
                 </a:defRPr>
               </a:pPr>
-              <a:endParaRPr dirty="0"/>
+              <a:endParaRPr/>
             </a:p>
           </p:txBody>
         </p:sp>
@@ -20535,7 +20524,7 @@
                 </a:spcBef>
                 <a:defRPr sz="3200"/>
               </a:pPr>
-              <a:endParaRPr dirty="0"/>
+              <a:endParaRPr/>
             </a:p>
           </p:txBody>
         </p:sp>
@@ -20630,7 +20619,7 @@
                   </a:solidFill>
                 </a:defRPr>
               </a:pPr>
-              <a:endParaRPr dirty="0"/>
+              <a:endParaRPr/>
             </a:p>
           </p:txBody>
         </p:sp>
@@ -20675,7 +20664,7 @@
                 </a:spcBef>
                 <a:defRPr sz="3200"/>
               </a:pPr>
-              <a:endParaRPr dirty="0"/>
+              <a:endParaRPr/>
             </a:p>
           </p:txBody>
         </p:sp>
@@ -20770,7 +20759,7 @@
                   </a:solidFill>
                 </a:defRPr>
               </a:pPr>
-              <a:endParaRPr dirty="0"/>
+              <a:endParaRPr/>
             </a:p>
           </p:txBody>
         </p:sp>
@@ -20815,7 +20804,7 @@
                 </a:spcBef>
                 <a:defRPr sz="3200"/>
               </a:pPr>
-              <a:endParaRPr dirty="0"/>
+              <a:endParaRPr/>
             </a:p>
           </p:txBody>
         </p:sp>
@@ -20906,7 +20895,7 @@
                 </a:spcBef>
                 <a:defRPr sz="3200"/>
               </a:pPr>
-              <a:endParaRPr dirty="0"/>
+              <a:endParaRPr/>
             </a:p>
           </p:txBody>
         </p:sp>
@@ -20951,7 +20940,7 @@
                 </a:spcBef>
                 <a:defRPr sz="3200"/>
               </a:pPr>
-              <a:endParaRPr dirty="0"/>
+              <a:endParaRPr/>
             </a:p>
           </p:txBody>
         </p:sp>
@@ -21002,7 +20991,6 @@
           <a:lstStyle/>
           <a:p>
             <a:r>
-              <a:rPr dirty="0"/>
               <a:t>ゲームの進め方</a:t>
             </a:r>
           </a:p>
@@ -21024,7 +21012,7 @@
           </a:prstGeom>
           <a:extLst>
             <a:ext uri="{C572A759-6A51-4108-AA02-DFA0A04FC94B}">
-              <ma14:wrappingTextBoxFlag xmlns:ma14="http://schemas.microsoft.com/office/mac/drawingml/2011/main" xmlns:a14="http://schemas.microsoft.com/office/drawing/2010/main" xmlns:m="http://schemas.openxmlformats.org/officeDocument/2006/math" xmlns="" val="1"/>
+              <ma14:wrappingTextBoxFlag xmlns="" xmlns:m="http://schemas.openxmlformats.org/officeDocument/2006/math" xmlns:a14="http://schemas.microsoft.com/office/drawing/2010/main" xmlns:ma14="http://schemas.microsoft.com/office/mac/drawingml/2011/main" val="1"/>
             </a:ext>
           </a:extLst>
         </p:spPr>
@@ -21033,7 +21021,6 @@
           <a:lstStyle/>
           <a:p>
             <a:r>
-              <a:rPr dirty="0"/>
               <a:t>プラクティスカードを組み合わせて課題解決させることも</a:t>
             </a:r>
           </a:p>
@@ -21074,7 +21061,7 @@
               <a:defRPr sz="2496"/>
             </a:pPr>
             <a:r>
-              <a:rPr sz="2600" dirty="0"/>
+              <a:rPr sz="2600"/>
               <a:t>各プレイヤーが順番に、場にある課題カードに対して、その課題を解決できると思うプラクティスを出して、課題カードを獲得していく。</a:t>
             </a:r>
           </a:p>
@@ -21089,7 +21076,7 @@
               <a:defRPr sz="2496"/>
             </a:pPr>
             <a:r>
-              <a:rPr sz="2600" dirty="0"/>
+              <a:rPr sz="2600"/>
               <a:t>「では、プラクティスカードを1枚取って、「自動テストを書ける人が少なく自動テストが増えにくい」という課題に対して、「自動テストをセルフスタートできる教育コンテンツ」と「自動テストを増やすことを開発組織の目標に入れ込む」の2つのプラクティスで解決すると思うのですがどう思いますか？」</a:t>
             </a:r>
           </a:p>
@@ -21104,7 +21091,7 @@
               <a:defRPr sz="2496"/>
             </a:pPr>
             <a:r>
-              <a:rPr sz="2600" dirty="0"/>
+              <a:rPr sz="2600"/>
               <a:t>「自動テストが増えにくい原因が色々ありそうだけど…。それで解決するかな」</a:t>
             </a:r>
           </a:p>
@@ -21119,7 +21106,7 @@
               <a:defRPr sz="2496"/>
             </a:pPr>
             <a:r>
-              <a:rPr sz="2600" dirty="0"/>
+              <a:rPr sz="2600"/>
               <a:t>「そうなんですよね。課題次第の部分はあるのですが、自動テストを進めるためのリソース確保やチームのやる気などは目標に入れることで解決し、自動テストを進めるためのハードルを下げる道具として教育コンテンツは有効だと思うのですよね」</a:t>
             </a:r>
           </a:p>
@@ -21134,7 +21121,7 @@
               <a:defRPr sz="2496"/>
             </a:pPr>
             <a:r>
-              <a:rPr sz="2600" dirty="0"/>
+              <a:rPr sz="2600"/>
               <a:t>「いいんじゃないかな。その2つがあればだいぶ解決しそう」</a:t>
             </a:r>
           </a:p>
@@ -21149,7 +21136,7 @@
               <a:defRPr sz="2496"/>
             </a:pPr>
             <a:r>
-              <a:rPr sz="2600" dirty="0"/>
+              <a:rPr sz="2600"/>
               <a:t>「私もそう思う」</a:t>
             </a:r>
           </a:p>
@@ -21164,7 +21151,7 @@
               <a:defRPr sz="2496"/>
             </a:pPr>
             <a:r>
-              <a:rPr sz="2600" dirty="0"/>
+              <a:rPr sz="2600"/>
               <a:t>「よし、この課題はもらいますね」</a:t>
             </a:r>
           </a:p>
@@ -22568,7 +22555,7 @@
                     </a:solidFill>
                   </a:defRPr>
                 </a:pPr>
-                <a:endParaRPr dirty="0"/>
+                <a:endParaRPr/>
               </a:p>
             </p:txBody>
           </p:sp>
@@ -22690,7 +22677,7 @@
                     </a:solidFill>
                   </a:defRPr>
                 </a:pPr>
-                <a:endParaRPr dirty="0"/>
+                <a:endParaRPr/>
               </a:p>
             </p:txBody>
           </p:sp>
@@ -22812,7 +22799,7 @@
                     </a:solidFill>
                   </a:defRPr>
                 </a:pPr>
-                <a:endParaRPr dirty="0"/>
+                <a:endParaRPr/>
               </a:p>
             </p:txBody>
           </p:sp>
@@ -22934,7 +22921,7 @@
                     </a:solidFill>
                   </a:defRPr>
                 </a:pPr>
-                <a:endParaRPr dirty="0"/>
+                <a:endParaRPr/>
               </a:p>
             </p:txBody>
           </p:sp>
@@ -23056,7 +23043,7 @@
                     </a:solidFill>
                   </a:defRPr>
                 </a:pPr>
-                <a:endParaRPr dirty="0"/>
+                <a:endParaRPr/>
               </a:p>
             </p:txBody>
           </p:sp>
@@ -23178,7 +23165,7 @@
                     </a:solidFill>
                   </a:defRPr>
                 </a:pPr>
-                <a:endParaRPr dirty="0"/>
+                <a:endParaRPr/>
               </a:p>
             </p:txBody>
           </p:sp>
@@ -23329,7 +23316,7 @@
                       </a:solidFill>
                     </a:defRPr>
                   </a:pPr>
-                  <a:endParaRPr dirty="0"/>
+                  <a:endParaRPr/>
                 </a:p>
               </p:txBody>
             </p:sp>
@@ -23451,7 +23438,7 @@
                       </a:solidFill>
                     </a:defRPr>
                   </a:pPr>
-                  <a:endParaRPr dirty="0"/>
+                  <a:endParaRPr/>
                 </a:p>
               </p:txBody>
             </p:sp>
@@ -23573,7 +23560,7 @@
                       </a:solidFill>
                     </a:defRPr>
                   </a:pPr>
-                  <a:endParaRPr dirty="0"/>
+                  <a:endParaRPr/>
                 </a:p>
               </p:txBody>
             </p:sp>
@@ -23695,7 +23682,7 @@
                       </a:solidFill>
                     </a:defRPr>
                   </a:pPr>
-                  <a:endParaRPr dirty="0"/>
+                  <a:endParaRPr/>
                 </a:p>
               </p:txBody>
             </p:sp>
@@ -23817,7 +23804,7 @@
                       </a:solidFill>
                     </a:defRPr>
                   </a:pPr>
-                  <a:endParaRPr dirty="0"/>
+                  <a:endParaRPr/>
                 </a:p>
               </p:txBody>
             </p:sp>
@@ -23939,7 +23926,7 @@
                       </a:solidFill>
                     </a:defRPr>
                   </a:pPr>
-                  <a:endParaRPr dirty="0"/>
+                  <a:endParaRPr/>
                 </a:p>
               </p:txBody>
             </p:sp>
@@ -24076,7 +24063,7 @@
                       </a:solidFill>
                     </a:defRPr>
                   </a:pPr>
-                  <a:endParaRPr dirty="0"/>
+                  <a:endParaRPr/>
                 </a:p>
               </p:txBody>
             </p:sp>
@@ -24198,7 +24185,7 @@
                       </a:solidFill>
                     </a:defRPr>
                   </a:pPr>
-                  <a:endParaRPr dirty="0"/>
+                  <a:endParaRPr/>
                 </a:p>
               </p:txBody>
             </p:sp>
@@ -24320,7 +24307,7 @@
                       </a:solidFill>
                     </a:defRPr>
                   </a:pPr>
-                  <a:endParaRPr dirty="0"/>
+                  <a:endParaRPr/>
                 </a:p>
               </p:txBody>
             </p:sp>
@@ -24442,7 +24429,7 @@
                       </a:solidFill>
                     </a:defRPr>
                   </a:pPr>
-                  <a:endParaRPr dirty="0"/>
+                  <a:endParaRPr/>
                 </a:p>
               </p:txBody>
             </p:sp>
@@ -24564,7 +24551,7 @@
                       </a:solidFill>
                     </a:defRPr>
                   </a:pPr>
-                  <a:endParaRPr dirty="0"/>
+                  <a:endParaRPr/>
                 </a:p>
               </p:txBody>
             </p:sp>
@@ -24686,7 +24673,7 @@
                       </a:solidFill>
                     </a:defRPr>
                   </a:pPr>
-                  <a:endParaRPr dirty="0"/>
+                  <a:endParaRPr/>
                 </a:p>
               </p:txBody>
             </p:sp>
@@ -25012,7 +24999,7 @@
                   </a:solidFill>
                 </a:defRPr>
               </a:pPr>
-              <a:endParaRPr dirty="0"/>
+              <a:endParaRPr/>
             </a:p>
           </p:txBody>
         </p:sp>
@@ -25057,7 +25044,7 @@
                 </a:spcBef>
                 <a:defRPr sz="3200"/>
               </a:pPr>
-              <a:endParaRPr dirty="0"/>
+              <a:endParaRPr/>
             </a:p>
           </p:txBody>
         </p:sp>
@@ -25148,7 +25135,7 @@
                 </a:spcBef>
                 <a:defRPr sz="3200"/>
               </a:pPr>
-              <a:endParaRPr dirty="0"/>
+              <a:endParaRPr/>
             </a:p>
           </p:txBody>
         </p:sp>
@@ -25193,7 +25180,7 @@
                 </a:spcBef>
                 <a:defRPr sz="3200"/>
               </a:pPr>
-              <a:endParaRPr dirty="0"/>
+              <a:endParaRPr/>
             </a:p>
           </p:txBody>
         </p:sp>
@@ -25287,7 +25274,7 @@
                 </a:spcBef>
                 <a:defRPr sz="3200"/>
               </a:pPr>
-              <a:endParaRPr dirty="0"/>
+              <a:endParaRPr/>
             </a:p>
           </p:txBody>
         </p:sp>
@@ -25335,7 +25322,7 @@
                 </a:spcBef>
                 <a:defRPr sz="3200"/>
               </a:pPr>
-              <a:endParaRPr dirty="0"/>
+              <a:endParaRPr/>
             </a:p>
           </p:txBody>
         </p:sp>
@@ -25430,7 +25417,7 @@
                   </a:solidFill>
                 </a:defRPr>
               </a:pPr>
-              <a:endParaRPr dirty="0"/>
+              <a:endParaRPr/>
             </a:p>
           </p:txBody>
         </p:sp>
@@ -25475,7 +25462,7 @@
                 </a:spcBef>
                 <a:defRPr sz="3200"/>
               </a:pPr>
-              <a:endParaRPr dirty="0"/>
+              <a:endParaRPr/>
             </a:p>
           </p:txBody>
         </p:sp>
@@ -25566,7 +25553,7 @@
                 </a:spcBef>
                 <a:defRPr sz="3200"/>
               </a:pPr>
-              <a:endParaRPr dirty="0"/>
+              <a:endParaRPr/>
             </a:p>
           </p:txBody>
         </p:sp>
@@ -25611,7 +25598,7 @@
                 </a:spcBef>
                 <a:defRPr sz="3200"/>
               </a:pPr>
-              <a:endParaRPr dirty="0"/>
+              <a:endParaRPr/>
             </a:p>
           </p:txBody>
         </p:sp>
@@ -25705,7 +25692,7 @@
                 </a:spcBef>
                 <a:defRPr sz="3200"/>
               </a:pPr>
-              <a:endParaRPr dirty="0"/>
+              <a:endParaRPr/>
             </a:p>
           </p:txBody>
         </p:sp>
@@ -25753,7 +25740,7 @@
                 </a:spcBef>
                 <a:defRPr sz="3200"/>
               </a:pPr>
-              <a:endParaRPr dirty="0"/>
+              <a:endParaRPr/>
             </a:p>
           </p:txBody>
         </p:sp>
@@ -25847,7 +25834,7 @@
                 </a:spcBef>
                 <a:defRPr sz="3200"/>
               </a:pPr>
-              <a:endParaRPr dirty="0"/>
+              <a:endParaRPr/>
             </a:p>
           </p:txBody>
         </p:sp>
@@ -25895,7 +25882,7 @@
                 </a:spcBef>
                 <a:defRPr sz="3200"/>
               </a:pPr>
-              <a:endParaRPr dirty="0"/>
+              <a:endParaRPr/>
             </a:p>
           </p:txBody>
         </p:sp>
@@ -25989,7 +25976,7 @@
                 </a:spcBef>
                 <a:defRPr sz="3200"/>
               </a:pPr>
-              <a:endParaRPr dirty="0"/>
+              <a:endParaRPr/>
             </a:p>
           </p:txBody>
         </p:sp>
@@ -26037,7 +26024,7 @@
                 </a:spcBef>
                 <a:defRPr sz="3200"/>
               </a:pPr>
-              <a:endParaRPr dirty="0"/>
+              <a:endParaRPr/>
             </a:p>
           </p:txBody>
         </p:sp>
@@ -26132,7 +26119,7 @@
                   </a:solidFill>
                 </a:defRPr>
               </a:pPr>
-              <a:endParaRPr dirty="0"/>
+              <a:endParaRPr/>
             </a:p>
           </p:txBody>
         </p:sp>
@@ -26177,7 +26164,7 @@
                 </a:spcBef>
                 <a:defRPr sz="3200"/>
               </a:pPr>
-              <a:endParaRPr dirty="0"/>
+              <a:endParaRPr/>
             </a:p>
           </p:txBody>
         </p:sp>
@@ -26228,7 +26215,6 @@
           <a:lstStyle/>
           <a:p>
             <a:r>
-              <a:rPr dirty="0"/>
               <a:t>ゲームの終わり</a:t>
             </a:r>
           </a:p>
@@ -26250,7 +26236,7 @@
           </a:prstGeom>
           <a:extLst>
             <a:ext uri="{C572A759-6A51-4108-AA02-DFA0A04FC94B}">
-              <ma14:wrappingTextBoxFlag xmlns:ma14="http://schemas.microsoft.com/office/mac/drawingml/2011/main" xmlns:a14="http://schemas.microsoft.com/office/drawing/2010/main" xmlns:m="http://schemas.openxmlformats.org/officeDocument/2006/math" xmlns="" val="1"/>
+              <ma14:wrappingTextBoxFlag xmlns="" xmlns:m="http://schemas.openxmlformats.org/officeDocument/2006/math" xmlns:a14="http://schemas.microsoft.com/office/drawing/2010/main" xmlns:ma14="http://schemas.microsoft.com/office/mac/drawingml/2011/main" val="1"/>
             </a:ext>
           </a:extLst>
         </p:spPr>
@@ -26259,7 +26245,6 @@
           <a:lstStyle/>
           <a:p>
             <a:r>
-              <a:rPr dirty="0"/>
               <a:t>ゲームが終わったら感想戦の実施をオススメします</a:t>
             </a:r>
           </a:p>
@@ -26300,7 +26285,7 @@
               <a:defRPr sz="2208"/>
             </a:pPr>
             <a:r>
-              <a:rPr sz="2600" dirty="0"/>
+              <a:rPr sz="2600"/>
               <a:t>場からカードがなくなったらゲームの終了</a:t>
             </a:r>
           </a:p>
@@ -26315,7 +26300,7 @@
               <a:defRPr sz="2208"/>
             </a:pPr>
             <a:r>
-              <a:rPr sz="2600" dirty="0"/>
+              <a:rPr sz="2600"/>
               <a:t>ゲーム終了時点で、得点が最も高い人がゲームの勝者とする</a:t>
             </a:r>
           </a:p>
@@ -26330,7 +26315,7 @@
               <a:defRPr sz="2208"/>
             </a:pPr>
             <a:r>
-              <a:rPr sz="2600" dirty="0"/>
+              <a:rPr sz="2600"/>
               <a:t>「私は1点の課題が3枚なので3点です」</a:t>
             </a:r>
           </a:p>
@@ -26345,7 +26330,7 @@
               <a:defRPr sz="2208"/>
             </a:pPr>
             <a:r>
-              <a:rPr sz="2600" dirty="0"/>
+              <a:rPr sz="2600"/>
               <a:t>「私は1点の課題が4枚と2点の課題が1枚で6点です」</a:t>
             </a:r>
           </a:p>
@@ -26360,7 +26345,7 @@
               <a:defRPr sz="2208"/>
             </a:pPr>
             <a:r>
-              <a:rPr sz="2600" dirty="0"/>
+              <a:rPr sz="2600"/>
               <a:t>「私は1点の課題が1枚と2点の課題が1枚で3点です。ブルーさんが今回の勝者ですね」</a:t>
             </a:r>
           </a:p>
@@ -26375,7 +26360,7 @@
               <a:defRPr sz="2208"/>
             </a:pPr>
             <a:r>
-              <a:rPr sz="2600" dirty="0"/>
+              <a:rPr sz="2600"/>
               <a:t>終了後に、取った課題カードに対して、より良いプラクティスがないか、ふりかえるとより学習効果が高まります</a:t>
             </a:r>
           </a:p>
@@ -26390,7 +26375,7 @@
               <a:defRPr sz="2208"/>
             </a:pPr>
             <a:r>
-              <a:rPr sz="2600" dirty="0"/>
+              <a:rPr sz="2600"/>
               <a:t>「「自動テストを書ける人が少なく自動テストが増えにくい」という課題に対しては、「QA組織のメンバが簡単な自動テストを作れて、理解できるようになる」とか「社内に自動テストサポート組織を作る」のプラクティスも良いかもねー」</a:t>
             </a:r>
           </a:p>
@@ -26405,7 +26390,7 @@
               <a:defRPr sz="2208"/>
             </a:pPr>
             <a:r>
-              <a:rPr sz="2600" dirty="0"/>
+              <a:rPr sz="2600"/>
               <a:t>「そうですね」</a:t>
             </a:r>
           </a:p>
@@ -26420,7 +26405,7 @@
               <a:defRPr sz="2208"/>
             </a:pPr>
             <a:r>
-              <a:rPr sz="2600" dirty="0"/>
+              <a:rPr sz="2600"/>
               <a:t>「「どのような自動テストシナリオが効果的か分かりづらい」の課題に対しては、どんなプラクティスだったら解決できると思いますか？」</a:t>
             </a:r>
           </a:p>
@@ -26435,7 +26420,7 @@
               <a:defRPr sz="2208"/>
             </a:pPr>
             <a:r>
-              <a:rPr sz="2600" dirty="0"/>
+              <a:rPr sz="2600"/>
               <a:t>「難しいねぇ。「課題が顕在化しているところからテスト自動化していく」は顕在化された課題を解決する自動テストシナリオということでわかりやすくなるかと思う。あとは「テストシナリオ群のモデル図を作り、どのようなテストを自動化するか・自動化したテストがどのようなものか認識を合わせる」のプラクティスはテストの効果を明確にしながらテスト自動化していくことなので、解決すると思う」</a:t>
             </a:r>
           </a:p>
@@ -26450,7 +26435,7 @@
               <a:defRPr sz="2208"/>
             </a:pPr>
             <a:r>
-              <a:rPr sz="2600" dirty="0"/>
+              <a:rPr sz="2600"/>
               <a:t>「なるほど。ありがとうございます。」</a:t>
             </a:r>
           </a:p>
@@ -26834,7 +26819,7 @@
                     </a:solidFill>
                   </a:defRPr>
                 </a:pPr>
-                <a:endParaRPr dirty="0"/>
+                <a:endParaRPr/>
               </a:p>
             </p:txBody>
           </p:sp>
@@ -26956,7 +26941,7 @@
                     </a:solidFill>
                   </a:defRPr>
                 </a:pPr>
-                <a:endParaRPr dirty="0"/>
+                <a:endParaRPr/>
               </a:p>
             </p:txBody>
           </p:sp>
@@ -27078,7 +27063,7 @@
                     </a:solidFill>
                   </a:defRPr>
                 </a:pPr>
-                <a:endParaRPr dirty="0"/>
+                <a:endParaRPr/>
               </a:p>
             </p:txBody>
           </p:sp>
@@ -27200,7 +27185,7 @@
                     </a:solidFill>
                   </a:defRPr>
                 </a:pPr>
-                <a:endParaRPr dirty="0"/>
+                <a:endParaRPr/>
               </a:p>
             </p:txBody>
           </p:sp>
@@ -27322,7 +27307,7 @@
                     </a:solidFill>
                   </a:defRPr>
                 </a:pPr>
-                <a:endParaRPr dirty="0"/>
+                <a:endParaRPr/>
               </a:p>
             </p:txBody>
           </p:sp>
@@ -27444,7 +27429,7 @@
                     </a:solidFill>
                   </a:defRPr>
                 </a:pPr>
-                <a:endParaRPr dirty="0"/>
+                <a:endParaRPr/>
               </a:p>
             </p:txBody>
           </p:sp>
@@ -29129,7 +29114,7 @@
                   </a:solidFill>
                 </a:defRPr>
               </a:pPr>
-              <a:endParaRPr dirty="0"/>
+              <a:endParaRPr/>
             </a:p>
           </p:txBody>
         </p:sp>
@@ -29174,7 +29159,7 @@
                 </a:spcBef>
                 <a:defRPr sz="3200"/>
               </a:pPr>
-              <a:endParaRPr dirty="0"/>
+              <a:endParaRPr/>
             </a:p>
           </p:txBody>
         </p:sp>
@@ -29265,7 +29250,7 @@
                 </a:spcBef>
                 <a:defRPr sz="3200"/>
               </a:pPr>
-              <a:endParaRPr dirty="0"/>
+              <a:endParaRPr/>
             </a:p>
           </p:txBody>
         </p:sp>
@@ -29310,7 +29295,7 @@
                 </a:spcBef>
                 <a:defRPr sz="3200"/>
               </a:pPr>
-              <a:endParaRPr dirty="0"/>
+              <a:endParaRPr/>
             </a:p>
           </p:txBody>
         </p:sp>
@@ -29404,7 +29389,7 @@
                 </a:spcBef>
                 <a:defRPr sz="3200"/>
               </a:pPr>
-              <a:endParaRPr dirty="0"/>
+              <a:endParaRPr/>
             </a:p>
           </p:txBody>
         </p:sp>
@@ -29452,7 +29437,7 @@
                 </a:spcBef>
                 <a:defRPr sz="3200"/>
               </a:pPr>
-              <a:endParaRPr dirty="0"/>
+              <a:endParaRPr/>
             </a:p>
           </p:txBody>
         </p:sp>
@@ -29546,7 +29531,7 @@
                 </a:spcBef>
                 <a:defRPr sz="3200"/>
               </a:pPr>
-              <a:endParaRPr dirty="0"/>
+              <a:endParaRPr/>
             </a:p>
           </p:txBody>
         </p:sp>
@@ -29594,7 +29579,7 @@
                 </a:spcBef>
                 <a:defRPr sz="3200"/>
               </a:pPr>
-              <a:endParaRPr dirty="0"/>
+              <a:endParaRPr/>
             </a:p>
           </p:txBody>
         </p:sp>
@@ -29689,7 +29674,7 @@
                   </a:solidFill>
                 </a:defRPr>
               </a:pPr>
-              <a:endParaRPr dirty="0"/>
+              <a:endParaRPr/>
             </a:p>
           </p:txBody>
         </p:sp>
@@ -29734,7 +29719,7 @@
                 </a:spcBef>
                 <a:defRPr sz="3200"/>
               </a:pPr>
-              <a:endParaRPr dirty="0"/>
+              <a:endParaRPr/>
             </a:p>
           </p:txBody>
         </p:sp>
@@ -29825,7 +29810,7 @@
                 </a:spcBef>
                 <a:defRPr sz="3200"/>
               </a:pPr>
-              <a:endParaRPr dirty="0"/>
+              <a:endParaRPr/>
             </a:p>
           </p:txBody>
         </p:sp>
@@ -29870,7 +29855,7 @@
                 </a:spcBef>
                 <a:defRPr sz="3200"/>
               </a:pPr>
-              <a:endParaRPr dirty="0"/>
+              <a:endParaRPr/>
             </a:p>
           </p:txBody>
         </p:sp>
@@ -29964,7 +29949,7 @@
                 </a:spcBef>
                 <a:defRPr sz="3200"/>
               </a:pPr>
-              <a:endParaRPr dirty="0"/>
+              <a:endParaRPr/>
             </a:p>
           </p:txBody>
         </p:sp>
@@ -30012,7 +29997,7 @@
                 </a:spcBef>
                 <a:defRPr sz="3200"/>
               </a:pPr>
-              <a:endParaRPr dirty="0"/>
+              <a:endParaRPr/>
             </a:p>
           </p:txBody>
         </p:sp>
@@ -30107,7 +30092,7 @@
                   </a:solidFill>
                 </a:defRPr>
               </a:pPr>
-              <a:endParaRPr dirty="0"/>
+              <a:endParaRPr/>
             </a:p>
           </p:txBody>
         </p:sp>
@@ -30152,7 +30137,7 @@
                 </a:spcBef>
                 <a:defRPr sz="3200"/>
               </a:pPr>
-              <a:endParaRPr dirty="0"/>
+              <a:endParaRPr/>
             </a:p>
           </p:txBody>
         </p:sp>
@@ -30243,7 +30228,7 @@
                 </a:spcBef>
                 <a:defRPr sz="3200"/>
               </a:pPr>
-              <a:endParaRPr dirty="0"/>
+              <a:endParaRPr/>
             </a:p>
           </p:txBody>
         </p:sp>
@@ -30288,7 +30273,7 @@
                 </a:spcBef>
                 <a:defRPr sz="3200"/>
               </a:pPr>
-              <a:endParaRPr dirty="0"/>
+              <a:endParaRPr/>
             </a:p>
           </p:txBody>
         </p:sp>
@@ -30379,7 +30364,7 @@
                 </a:spcBef>
                 <a:defRPr sz="3200"/>
               </a:pPr>
-              <a:endParaRPr dirty="0"/>
+              <a:endParaRPr/>
             </a:p>
           </p:txBody>
         </p:sp>
@@ -30424,7 +30409,7 @@
                 </a:spcBef>
                 <a:defRPr sz="3200"/>
               </a:pPr>
-              <a:endParaRPr dirty="0"/>
+              <a:endParaRPr/>
             </a:p>
           </p:txBody>
         </p:sp>
@@ -30519,7 +30504,7 @@
                   </a:solidFill>
                 </a:defRPr>
               </a:pPr>
-              <a:endParaRPr dirty="0"/>
+              <a:endParaRPr/>
             </a:p>
           </p:txBody>
         </p:sp>
@@ -30564,7 +30549,7 @@
                 </a:spcBef>
                 <a:defRPr sz="3200"/>
               </a:pPr>
-              <a:endParaRPr dirty="0"/>
+              <a:endParaRPr/>
             </a:p>
           </p:txBody>
         </p:sp>
@@ -30579,173 +30564,6 @@
 </file>
 
 <file path=ppt/slides/slide17.xml><?xml version="1.0" encoding="utf-8"?>
-<p:sld xmlns:a="http://schemas.openxmlformats.org/drawingml/2006/main" xmlns:r="http://schemas.openxmlformats.org/officeDocument/2006/relationships" xmlns:p="http://schemas.openxmlformats.org/presentationml/2006/main">
-  <p:cSld>
-    <p:spTree>
-      <p:nvGrpSpPr>
-        <p:cNvPr id="1" name=""/>
-        <p:cNvGrpSpPr/>
-        <p:nvPr/>
-      </p:nvGrpSpPr>
-      <p:grpSpPr>
-        <a:xfrm>
-          <a:off x="0" y="0"/>
-          <a:ext cx="0" cy="0"/>
-          <a:chOff x="0" y="0"/>
-          <a:chExt cx="0" cy="0"/>
-        </a:xfrm>
-      </p:grpSpPr>
-      <p:sp>
-        <p:nvSpPr>
-          <p:cNvPr id="984" name="ゲームの具体的なルールや進め方"/>
-          <p:cNvSpPr txBox="1">
-            <a:spLocks noGrp="1"/>
-          </p:cNvSpPr>
-          <p:nvPr>
-            <p:ph type="title"/>
-          </p:nvPr>
-        </p:nvSpPr>
-        <p:spPr>
-          <a:prstGeom prst="rect">
-            <a:avLst/>
-          </a:prstGeom>
-        </p:spPr>
-        <p:txBody>
-          <a:bodyPr/>
-          <a:lstStyle/>
-          <a:p>
-            <a:r>
-              <a:rPr dirty="0"/>
-              <a:t>ゲームの具体的なルールや進め方</a:t>
-            </a:r>
-          </a:p>
-        </p:txBody>
-      </p:sp>
-      <p:sp>
-        <p:nvSpPr>
-          <p:cNvPr id="985" name="FAQ"/>
-          <p:cNvSpPr txBox="1">
-            <a:spLocks noGrp="1"/>
-          </p:cNvSpPr>
-          <p:nvPr>
-            <p:ph type="body" idx="21"/>
-          </p:nvPr>
-        </p:nvSpPr>
-        <p:spPr>
-          <a:prstGeom prst="rect">
-            <a:avLst/>
-          </a:prstGeom>
-          <a:extLst>
-            <a:ext uri="{C572A759-6A51-4108-AA02-DFA0A04FC94B}">
-              <ma14:wrappingTextBoxFlag xmlns:ma14="http://schemas.microsoft.com/office/mac/drawingml/2011/main" xmlns:a14="http://schemas.microsoft.com/office/drawing/2010/main" xmlns:m="http://schemas.openxmlformats.org/officeDocument/2006/math" xmlns="" val="1"/>
-            </a:ext>
-          </a:extLst>
-        </p:spPr>
-        <p:txBody>
-          <a:bodyPr/>
-          <a:lstStyle/>
-          <a:p>
-            <a:r>
-              <a:rPr dirty="0"/>
-              <a:t>FAQ</a:t>
-            </a:r>
-          </a:p>
-        </p:txBody>
-      </p:sp>
-      <p:sp>
-        <p:nvSpPr>
-          <p:cNvPr id="986" name="Q.「用意している課題に対する基本的な回答はありますか？」…"/>
-          <p:cNvSpPr txBox="1">
-            <a:spLocks noGrp="1"/>
-          </p:cNvSpPr>
-          <p:nvPr>
-            <p:ph type="body" sz="half" idx="1"/>
-          </p:nvPr>
-        </p:nvSpPr>
-        <p:spPr>
-          <a:xfrm>
-            <a:off x="1206500" y="4248504"/>
-            <a:ext cx="21971000" cy="4539740"/>
-          </a:xfrm>
-          <a:prstGeom prst="rect">
-            <a:avLst/>
-          </a:prstGeom>
-        </p:spPr>
-        <p:txBody>
-          <a:bodyPr/>
-          <a:lstStyle/>
-          <a:p>
-            <a:pPr marL="469391" indent="-469391" defTabSz="1877520">
-              <a:lnSpc>
-                <a:spcPct val="100000"/>
-              </a:lnSpc>
-              <a:spcBef>
-                <a:spcPts val="3400"/>
-              </a:spcBef>
-              <a:defRPr sz="3696"/>
-            </a:pPr>
-            <a:r>
-              <a:rPr dirty="0"/>
-              <a:t>Q.「用意している課題に対する基本的な回答はありますか？」</a:t>
-            </a:r>
-          </a:p>
-          <a:p>
-            <a:pPr marL="938783" lvl="1" indent="-469391" defTabSz="1877520">
-              <a:lnSpc>
-                <a:spcPct val="100000"/>
-              </a:lnSpc>
-              <a:spcBef>
-                <a:spcPts val="3400"/>
-              </a:spcBef>
-              <a:defRPr sz="3696"/>
-            </a:pPr>
-            <a:r>
-              <a:rPr dirty="0"/>
-              <a:t>A. 課題リストに参考となる対応プラクティスを1例として掲載しています。</a:t>
-            </a:r>
-          </a:p>
-          <a:p>
-            <a:pPr marL="469391" indent="-469391" defTabSz="1877520">
-              <a:lnSpc>
-                <a:spcPct val="100000"/>
-              </a:lnSpc>
-              <a:spcBef>
-                <a:spcPts val="3400"/>
-              </a:spcBef>
-              <a:defRPr sz="3696"/>
-            </a:pPr>
-            <a:r>
-              <a:rPr dirty="0"/>
-              <a:t>Q.「プラクティスに書かれていることが具体的には良く分からない」</a:t>
-            </a:r>
-          </a:p>
-          <a:p>
-            <a:pPr marL="938783" lvl="1" indent="-469391" defTabSz="1877520">
-              <a:lnSpc>
-                <a:spcPct val="100000"/>
-              </a:lnSpc>
-              <a:spcBef>
-                <a:spcPts val="3400"/>
-              </a:spcBef>
-              <a:defRPr sz="3696"/>
-            </a:pPr>
-            <a:r>
-              <a:rPr dirty="0"/>
-              <a:t>A. 申し訳ないですが、詳しい人に聞くか調べていただけると助かります。もしくは、私たちに質問ください。</a:t>
-            </a:r>
-          </a:p>
-        </p:txBody>
-      </p:sp>
-    </p:spTree>
-  </p:cSld>
-  <p:clrMapOvr>
-    <a:masterClrMapping/>
-  </p:clrMapOvr>
-  <p:transition spd="med"/>
-</p:sld>
-</file>
-
-<file path=ppt/slides/slide18.xml><?xml version="1.0" encoding="utf-8"?>
 <p:sld xmlns:a="http://schemas.openxmlformats.org/drawingml/2006/main" xmlns:r="http://schemas.openxmlformats.org/officeDocument/2006/relationships" xmlns:p="http://schemas.openxmlformats.org/presentationml/2006/main">
   <p:cSld>
     <p:spTree>
@@ -30782,7 +30600,6 @@
           <a:lstStyle/>
           <a:p>
             <a:r>
-              <a:rPr dirty="0"/>
               <a:t>結論</a:t>
             </a:r>
           </a:p>
@@ -30821,7 +30638,6 @@
               <a:defRPr sz="4560"/>
             </a:pPr>
             <a:r>
-              <a:rPr dirty="0"/>
               <a:t>本ゲームを利用することで、自動テストのプラクティスをゲームという形で、遊びながら知ることが可能になった。また、プラクティスを文字として知るだけはなく、プラクティスがどのような課題の解決に適用できるかも考えることとなり、遊びながら効果的に学ぶことができた。</a:t>
             </a:r>
           </a:p>
@@ -30836,7 +30652,6 @@
               <a:defRPr sz="4560"/>
             </a:pPr>
             <a:r>
-              <a:rPr dirty="0"/>
               <a:t>一方、自動テストの初学者と経験者が混じった場合には、初学者が不利になってしまうことなどゲーム性に関してはまだ改善の余地があることがわかった。</a:t>
             </a:r>
           </a:p>
@@ -30861,7 +30676,7 @@
           </a:ln>
           <a:extLst>
             <a:ext uri="{C572A759-6A51-4108-AA02-DFA0A04FC94B}">
-              <ma14:wrappingTextBoxFlag xmlns:ma14="http://schemas.microsoft.com/office/mac/drawingml/2011/main" xmlns:a14="http://schemas.microsoft.com/office/drawing/2010/main" xmlns:m="http://schemas.openxmlformats.org/officeDocument/2006/math" xmlns="" val="1"/>
+              <ma14:wrappingTextBoxFlag xmlns="" xmlns:m="http://schemas.openxmlformats.org/officeDocument/2006/math" xmlns:a14="http://schemas.microsoft.com/office/drawing/2010/main" xmlns:ma14="http://schemas.microsoft.com/office/mac/drawingml/2011/main" val="1"/>
             </a:ext>
           </a:extLst>
         </p:spPr>
@@ -30887,9 +30702,10 @@
           </a:lstStyle>
           <a:p>
             <a:r>
-              <a:rPr dirty="0"/>
+              <a:rPr dirty="0" err="1"/>
               <a:t>謝辞</a:t>
             </a:r>
+            <a:endParaRPr dirty="0"/>
           </a:p>
         </p:txBody>
       </p:sp>
@@ -30912,7 +30728,7 @@
           </a:ln>
           <a:extLst>
             <a:ext uri="{C572A759-6A51-4108-AA02-DFA0A04FC94B}">
-              <ma14:wrappingTextBoxFlag xmlns:ma14="http://schemas.microsoft.com/office/mac/drawingml/2011/main" xmlns:a14="http://schemas.microsoft.com/office/drawing/2010/main" xmlns:m="http://schemas.openxmlformats.org/officeDocument/2006/math" xmlns="" val="1"/>
+              <ma14:wrappingTextBoxFlag xmlns="" xmlns:m="http://schemas.openxmlformats.org/officeDocument/2006/math" xmlns:a14="http://schemas.microsoft.com/office/drawing/2010/main" xmlns:ma14="http://schemas.microsoft.com/office/mac/drawingml/2011/main" val="1"/>
             </a:ext>
           </a:extLst>
         </p:spPr>
@@ -30932,7 +30748,6 @@
           </a:lstStyle>
           <a:p>
             <a:r>
-              <a:rPr dirty="0"/>
               <a:t>カードデザインとして、「課金戦士」さんにご協力いただきました。</a:t>
             </a:r>
           </a:p>
@@ -30947,7 +30762,7 @@
 </p:sld>
 </file>
 
-<file path=ppt/slides/slide19.xml><?xml version="1.0" encoding="utf-8"?>
+<file path=ppt/slides/slide18.xml><?xml version="1.0" encoding="utf-8"?>
 <p:sld xmlns:a="http://schemas.openxmlformats.org/drawingml/2006/main" xmlns:r="http://schemas.openxmlformats.org/officeDocument/2006/relationships" xmlns:p="http://schemas.openxmlformats.org/presentationml/2006/main">
   <p:cSld>
     <p:spTree>
@@ -30984,9 +30799,10 @@
           <a:lstStyle/>
           <a:p>
             <a:r>
-              <a:rPr dirty="0"/>
+              <a:rPr dirty="0" err="1"/>
               <a:t>今後の発展</a:t>
             </a:r>
+            <a:endParaRPr dirty="0"/>
           </a:p>
         </p:txBody>
       </p:sp>
@@ -31006,7 +30822,7 @@
           </a:prstGeom>
           <a:extLst>
             <a:ext uri="{C572A759-6A51-4108-AA02-DFA0A04FC94B}">
-              <ma14:wrappingTextBoxFlag xmlns:ma14="http://schemas.microsoft.com/office/mac/drawingml/2011/main" xmlns:a14="http://schemas.microsoft.com/office/drawing/2010/main" xmlns:m="http://schemas.openxmlformats.org/officeDocument/2006/math" xmlns="" val="1"/>
+              <ma14:wrappingTextBoxFlag xmlns="" xmlns:m="http://schemas.openxmlformats.org/officeDocument/2006/math" xmlns:a14="http://schemas.microsoft.com/office/drawing/2010/main" xmlns:ma14="http://schemas.microsoft.com/office/mac/drawingml/2011/main" val="1"/>
             </a:ext>
           </a:extLst>
         </p:spPr>
@@ -31015,9 +30831,24 @@
           <a:lstStyle/>
           <a:p>
             <a:r>
-              <a:rPr dirty="0"/>
-              <a:t>ゲームの資料は公開するので自由に改良して発表ください</a:t>
+              <a:rPr lang="ja-JP" altLang="en-US" b="1">
+                <a:solidFill>
+                  <a:srgbClr val="000000"/>
+                </a:solidFill>
+                <a:effectLst/>
+                <a:latin typeface="+mj-ea"/>
+                <a:ea typeface="+mj-ea"/>
+              </a:rPr>
+              <a:t>私たちが試行した上での別の遊び方案や改善点</a:t>
             </a:r>
+            <a:endParaRPr lang="ja-JP" altLang="en-US">
+              <a:solidFill>
+                <a:srgbClr val="000000"/>
+              </a:solidFill>
+              <a:effectLst/>
+              <a:latin typeface="+mj-ea"/>
+              <a:ea typeface="+mj-ea"/>
+            </a:endParaRPr>
           </a:p>
         </p:txBody>
       </p:sp>
@@ -31041,7 +30872,9 @@
           </a:prstGeom>
         </p:spPr>
         <p:txBody>
-          <a:bodyPr/>
+          <a:bodyPr>
+            <a:normAutofit lnSpcReduction="10000"/>
+          </a:bodyPr>
           <a:lstStyle/>
           <a:p>
             <a:pPr marL="384047" indent="-384047" defTabSz="1536153">
@@ -31054,7 +30887,260 @@
               <a:defRPr sz="3024"/>
             </a:pPr>
             <a:r>
+              <a:rPr sz="4400" dirty="0"/>
+              <a:t>私たちが試行した上での別の遊び方案や改善点を以下に示します。興味があったらお試しください。</a:t>
+            </a:r>
+          </a:p>
+          <a:p>
+            <a:pPr marL="768095" lvl="1" indent="-384047" defTabSz="1536153">
+              <a:lnSpc>
+                <a:spcPct val="100000"/>
+              </a:lnSpc>
+              <a:spcBef>
+                <a:spcPts val="2800"/>
+              </a:spcBef>
+              <a:defRPr sz="3024"/>
+            </a:pPr>
+            <a:r>
+              <a:rPr sz="4400" dirty="0"/>
+              <a:t>別の遊び方案：競争ではなく、チームでハイスコアを目指すゲーム</a:t>
+            </a:r>
+          </a:p>
+          <a:p>
+            <a:pPr marL="768095" lvl="1" indent="-384047" defTabSz="1536153">
+              <a:lnSpc>
+                <a:spcPct val="100000"/>
+              </a:lnSpc>
+              <a:spcBef>
+                <a:spcPts val="2800"/>
+              </a:spcBef>
+              <a:defRPr sz="3024"/>
+            </a:pPr>
+            <a:r>
+              <a:rPr sz="4400" dirty="0"/>
+              <a:t>改善点：ゲーム性</a:t>
+            </a:r>
+          </a:p>
+          <a:p>
+            <a:pPr marL="1152144" lvl="2" indent="-384047" defTabSz="1536153">
+              <a:lnSpc>
+                <a:spcPct val="100000"/>
+              </a:lnSpc>
+              <a:spcBef>
+                <a:spcPts val="2800"/>
+              </a:spcBef>
+              <a:defRPr sz="3024"/>
+            </a:pPr>
+            <a:r>
+              <a:rPr sz="4400" dirty="0"/>
+              <a:t>初学者でもプラクティス適用による解決を想起しやすいプラクティスカードを追加する</a:t>
+            </a:r>
+          </a:p>
+          <a:p>
+            <a:pPr marL="1152144" lvl="2" indent="-384047" defTabSz="1536153">
+              <a:lnSpc>
+                <a:spcPct val="100000"/>
+              </a:lnSpc>
+              <a:spcBef>
+                <a:spcPts val="2800"/>
+              </a:spcBef>
+              <a:defRPr sz="3024"/>
+            </a:pPr>
+            <a:r>
+              <a:rPr sz="4400" dirty="0"/>
+              <a:t>妨害カードの追加し、カード取得の戦略性を向上させる</a:t>
+            </a:r>
+          </a:p>
+          <a:p>
+            <a:pPr marL="768095" lvl="1" indent="-384047" defTabSz="1536153">
+              <a:lnSpc>
+                <a:spcPct val="100000"/>
+              </a:lnSpc>
+              <a:spcBef>
+                <a:spcPts val="2800"/>
+              </a:spcBef>
+              <a:defRPr sz="3024"/>
+            </a:pPr>
+            <a:r>
+              <a:rPr sz="4400" dirty="0"/>
+              <a:t>改善点：学習面</a:t>
+            </a:r>
+          </a:p>
+          <a:p>
+            <a:pPr marL="1152144" lvl="2" indent="-384047" defTabSz="1536153">
+              <a:lnSpc>
+                <a:spcPct val="100000"/>
+              </a:lnSpc>
+              <a:spcBef>
+                <a:spcPts val="2800"/>
+              </a:spcBef>
+              <a:defRPr sz="3024"/>
+            </a:pPr>
+            <a:r>
+              <a:rPr sz="4400" dirty="0"/>
+              <a:t>ゲームをおこなう人が持つ自動テストの課題を課題カードとして追加する</a:t>
+            </a:r>
+          </a:p>
+          <a:p>
+            <a:pPr marL="1152144" lvl="2" indent="-384047" defTabSz="1536153">
+              <a:lnSpc>
+                <a:spcPct val="100000"/>
+              </a:lnSpc>
+              <a:spcBef>
+                <a:spcPts val="2800"/>
+              </a:spcBef>
+              <a:defRPr sz="3024"/>
+            </a:pPr>
+            <a:r>
+              <a:rPr sz="4400" dirty="0"/>
+              <a:t>既存の他のプラクティスを組み込んでプラクティスカードを増やす</a:t>
+            </a:r>
+          </a:p>
+        </p:txBody>
+      </p:sp>
+    </p:spTree>
+  </p:cSld>
+  <p:clrMapOvr>
+    <a:masterClrMapping/>
+  </p:clrMapOvr>
+  <p:transition spd="med"/>
+</p:sld>
+</file>
+
+<file path=ppt/slides/slide19.xml><?xml version="1.0" encoding="utf-8"?>
+<p:sld xmlns:a="http://schemas.openxmlformats.org/drawingml/2006/main" xmlns:r="http://schemas.openxmlformats.org/officeDocument/2006/relationships" xmlns:p="http://schemas.openxmlformats.org/presentationml/2006/main">
+  <p:cSld>
+    <p:spTree>
+      <p:nvGrpSpPr>
+        <p:cNvPr id="1" name="">
+          <a:extLst>
+            <a:ext uri="{FF2B5EF4-FFF2-40B4-BE49-F238E27FC236}">
+              <a16:creationId xmlns:a16="http://schemas.microsoft.com/office/drawing/2014/main" id="{89C637FA-DA2F-AA9A-1B80-7DA57AADFBA3}"/>
+            </a:ext>
+          </a:extLst>
+        </p:cNvPr>
+        <p:cNvGrpSpPr/>
+        <p:nvPr/>
+      </p:nvGrpSpPr>
+      <p:grpSpPr>
+        <a:xfrm>
+          <a:off x="0" y="0"/>
+          <a:ext cx="0" cy="0"/>
+          <a:chOff x="0" y="0"/>
+          <a:chExt cx="0" cy="0"/>
+        </a:xfrm>
+      </p:grpSpPr>
+      <p:sp>
+        <p:nvSpPr>
+          <p:cNvPr id="993" name="今後の発展">
+            <a:extLst>
+              <a:ext uri="{FF2B5EF4-FFF2-40B4-BE49-F238E27FC236}">
+                <a16:creationId xmlns:a16="http://schemas.microsoft.com/office/drawing/2014/main" id="{DE38AD7B-4470-1C5E-5AB8-A3F8009DAAC0}"/>
+              </a:ext>
+            </a:extLst>
+          </p:cNvPr>
+          <p:cNvSpPr txBox="1">
+            <a:spLocks noGrp="1"/>
+          </p:cNvSpPr>
+          <p:nvPr>
+            <p:ph type="title"/>
+          </p:nvPr>
+        </p:nvSpPr>
+        <p:spPr>
+          <a:prstGeom prst="rect">
+            <a:avLst/>
+          </a:prstGeom>
+        </p:spPr>
+        <p:txBody>
+          <a:bodyPr/>
+          <a:lstStyle/>
+          <a:p>
+            <a:r>
               <a:rPr dirty="0"/>
+              <a:t>今後の発展</a:t>
+            </a:r>
+          </a:p>
+        </p:txBody>
+      </p:sp>
+      <p:sp>
+        <p:nvSpPr>
+          <p:cNvPr id="994" name="ゲームの資料は公開するので自由に改良して発表ください">
+            <a:extLst>
+              <a:ext uri="{FF2B5EF4-FFF2-40B4-BE49-F238E27FC236}">
+                <a16:creationId xmlns:a16="http://schemas.microsoft.com/office/drawing/2014/main" id="{49ED4370-AB73-0AC5-4795-A6DF53BBB9F8}"/>
+              </a:ext>
+            </a:extLst>
+          </p:cNvPr>
+          <p:cNvSpPr txBox="1">
+            <a:spLocks noGrp="1"/>
+          </p:cNvSpPr>
+          <p:nvPr>
+            <p:ph type="body" idx="21"/>
+          </p:nvPr>
+        </p:nvSpPr>
+        <p:spPr>
+          <a:prstGeom prst="rect">
+            <a:avLst/>
+          </a:prstGeom>
+          <a:extLst>
+            <a:ext uri="{C572A759-6A51-4108-AA02-DFA0A04FC94B}">
+              <ma14:wrappingTextBoxFlag xmlns="" xmlns:m="http://schemas.openxmlformats.org/officeDocument/2006/math" xmlns:a14="http://schemas.microsoft.com/office/drawing/2010/main" xmlns:ma14="http://schemas.microsoft.com/office/mac/drawingml/2011/main" val="1"/>
+            </a:ext>
+          </a:extLst>
+        </p:spPr>
+        <p:txBody>
+          <a:bodyPr/>
+          <a:lstStyle/>
+          <a:p>
+            <a:r>
+              <a:rPr dirty="0"/>
+              <a:t>ゲームの資料は公開するので自由に改良して発表ください</a:t>
+            </a:r>
+          </a:p>
+        </p:txBody>
+      </p:sp>
+      <p:sp>
+        <p:nvSpPr>
+          <p:cNvPr id="995" name="本発表で紹介したゲームのルールなどは公開しますので自由に利用ください。利用したら何らかの形で発表くださると嬉しいです。…">
+            <a:extLst>
+              <a:ext uri="{FF2B5EF4-FFF2-40B4-BE49-F238E27FC236}">
+                <a16:creationId xmlns:a16="http://schemas.microsoft.com/office/drawing/2014/main" id="{9D3EC2C3-C16C-5707-4764-5B9E960E21F5}"/>
+              </a:ext>
+            </a:extLst>
+          </p:cNvPr>
+          <p:cNvSpPr txBox="1">
+            <a:spLocks noGrp="1"/>
+          </p:cNvSpPr>
+          <p:nvPr>
+            <p:ph type="body" idx="1"/>
+          </p:nvPr>
+        </p:nvSpPr>
+        <p:spPr>
+          <a:xfrm>
+            <a:off x="1206500" y="3611857"/>
+            <a:ext cx="21971000" cy="9236408"/>
+          </a:xfrm>
+          <a:prstGeom prst="rect">
+            <a:avLst/>
+          </a:prstGeom>
+        </p:spPr>
+        <p:txBody>
+          <a:bodyPr>
+            <a:normAutofit/>
+          </a:bodyPr>
+          <a:lstStyle/>
+          <a:p>
+            <a:pPr marL="384047" indent="-384047" defTabSz="1536153">
+              <a:lnSpc>
+                <a:spcPct val="100000"/>
+              </a:lnSpc>
+              <a:spcBef>
+                <a:spcPts val="2800"/>
+              </a:spcBef>
+              <a:defRPr sz="3024"/>
+            </a:pPr>
+            <a:r>
+              <a:rPr sz="4400" dirty="0"/>
               <a:t>本発表で紹介したゲームのルールなどは公開しますので自由に利用ください。利用したら何らかの形で発表くださると嬉しいです。</a:t>
             </a:r>
           </a:p>
@@ -31069,143 +31155,143 @@
               <a:defRPr sz="3024"/>
             </a:pPr>
             <a:r>
-              <a:rPr dirty="0"/>
+              <a:rPr sz="4400" dirty="0"/>
               <a:t>※ </a:t>
             </a:r>
             <a:r>
-              <a:rPr u="sng" dirty="0">
+              <a:rPr sz="4400" u="sng" dirty="0">
                 <a:hlinkClick r:id="rId2"/>
               </a:rPr>
               <a:t>https://github.com/teyamagu/test_automation_card_game</a:t>
             </a:r>
             <a:r>
-              <a:rPr dirty="0"/>
-              <a:t> においてゲームの各種情報を公開しています</a:t>
+              <a:rPr sz="4400" dirty="0"/>
+              <a:t> </a:t>
             </a:r>
+            <a:r>
+              <a:rPr sz="4400" dirty="0" err="1"/>
+              <a:t>においてゲームの各種情報を公開しています</a:t>
+            </a:r>
+            <a:endParaRPr sz="4400" dirty="0"/>
           </a:p>
-          <a:p>
-            <a:pPr marL="384047" indent="-384047" defTabSz="1536153">
+        </p:txBody>
+      </p:sp>
+      <p:sp>
+        <p:nvSpPr>
+          <p:cNvPr id="3" name="謝辞">
+            <a:extLst>
+              <a:ext uri="{FF2B5EF4-FFF2-40B4-BE49-F238E27FC236}">
+                <a16:creationId xmlns:a16="http://schemas.microsoft.com/office/drawing/2014/main" id="{6EB2FAD7-19BB-6853-523B-416FF7D1B9DA}"/>
+              </a:ext>
+            </a:extLst>
+          </p:cNvPr>
+          <p:cNvSpPr txBox="1"/>
+          <p:nvPr/>
+        </p:nvSpPr>
+        <p:spPr>
+          <a:xfrm>
+            <a:off x="1206500" y="7888181"/>
+            <a:ext cx="21971000" cy="994937"/>
+          </a:xfrm>
+          <a:prstGeom prst="rect">
+            <a:avLst/>
+          </a:prstGeom>
+          <a:ln w="12700">
+            <a:miter lim="400000"/>
+          </a:ln>
+          <a:extLst>
+            <a:ext uri="{C572A759-6A51-4108-AA02-DFA0A04FC94B}">
+              <ma14:wrappingTextBoxFlag xmlns="" xmlns:m="http://schemas.openxmlformats.org/officeDocument/2006/math" xmlns:a14="http://schemas.microsoft.com/office/drawing/2010/main" xmlns:ma14="http://schemas.microsoft.com/office/mac/drawingml/2011/main" val="1"/>
+            </a:ext>
+          </a:extLst>
+        </p:spPr>
+        <p:txBody>
+          <a:bodyPr lIns="50800" tIns="50800" rIns="50800" bIns="50800">
+            <a:normAutofit/>
+          </a:bodyPr>
+          <a:lstStyle>
+            <a:lvl1pPr defTabSz="2023821">
               <a:lnSpc>
-                <a:spcPct val="100000"/>
+                <a:spcPct val="80000"/>
               </a:lnSpc>
               <a:spcBef>
-                <a:spcPts val="2800"/>
+                <a:spcPts val="0"/>
               </a:spcBef>
-              <a:defRPr sz="3024"/>
-            </a:pPr>
+              <a:defRPr sz="7054" spc="-141">
+                <a:latin typeface="+mn-lt"/>
+                <a:ea typeface="+mn-ea"/>
+                <a:cs typeface="+mn-cs"/>
+                <a:sym typeface="ヒラギノ角ゴ ProN W6"/>
+              </a:defRPr>
+            </a:lvl1pPr>
+          </a:lstStyle>
+          <a:p>
             <a:r>
-              <a:rPr dirty="0"/>
-              <a:t>私たちが試行した上での別の遊び方案や改善点を以下に示します。興味があったらお試しください。</a:t>
+              <a:rPr lang="en-US" dirty="0" err="1"/>
+              <a:t>皆さんへお願い</a:t>
             </a:r>
+            <a:endParaRPr dirty="0"/>
           </a:p>
+        </p:txBody>
+      </p:sp>
+      <p:sp>
+        <p:nvSpPr>
+          <p:cNvPr id="4" name="カードデザインとして、「課金戦士」さんにご協力いただきました。">
+            <a:extLst>
+              <a:ext uri="{FF2B5EF4-FFF2-40B4-BE49-F238E27FC236}">
+                <a16:creationId xmlns:a16="http://schemas.microsoft.com/office/drawing/2014/main" id="{BDAC34D3-7A8D-096D-E165-2F136B44B3C4}"/>
+              </a:ext>
+            </a:extLst>
+          </p:cNvPr>
+          <p:cNvSpPr txBox="1"/>
+          <p:nvPr/>
+        </p:nvSpPr>
+        <p:spPr>
+          <a:xfrm>
+            <a:off x="1206500" y="9105250"/>
+            <a:ext cx="21971000" cy="651353"/>
+          </a:xfrm>
+          <a:prstGeom prst="rect">
+            <a:avLst/>
+          </a:prstGeom>
+          <a:ln w="12700">
+            <a:miter lim="400000"/>
+          </a:ln>
+          <a:extLst>
+            <a:ext uri="{C572A759-6A51-4108-AA02-DFA0A04FC94B}">
+              <ma14:wrappingTextBoxFlag xmlns="" xmlns:m="http://schemas.openxmlformats.org/officeDocument/2006/math" xmlns:a14="http://schemas.microsoft.com/office/drawing/2010/main" xmlns:ma14="http://schemas.microsoft.com/office/mac/drawingml/2011/main" val="1"/>
+            </a:ext>
+          </a:extLst>
+        </p:spPr>
+        <p:txBody>
+          <a:bodyPr lIns="50800" tIns="50800" rIns="50800" bIns="50800">
+            <a:normAutofit lnSpcReduction="10000"/>
+          </a:bodyPr>
+          <a:lstStyle>
+            <a:lvl1pPr marL="542544" indent="-542544" defTabSz="2170121">
+              <a:spcBef>
+                <a:spcPts val="4000"/>
+              </a:spcBef>
+              <a:buSzPct val="123000"/>
+              <a:buChar char="•"/>
+              <a:defRPr sz="4272"/>
+            </a:lvl1pPr>
+          </a:lstStyle>
           <a:p>
-            <a:pPr marL="768095" lvl="1" indent="-384047" defTabSz="1536153">
-              <a:lnSpc>
-                <a:spcPct val="100000"/>
-              </a:lnSpc>
-              <a:spcBef>
-                <a:spcPts val="2800"/>
-              </a:spcBef>
-              <a:defRPr sz="3024"/>
-            </a:pPr>
             <a:r>
-              <a:rPr dirty="0"/>
-              <a:t>別の遊び方案：競争ではなく、チームでハイスコアを目指すゲーム</a:t>
+              <a:rPr lang="ja-JP" altLang="en-US"/>
+              <a:t>このカードゲームの名前を募集します！思いついたもの教えてください</a:t>
             </a:r>
-          </a:p>
-          <a:p>
-            <a:pPr marL="768095" lvl="1" indent="-384047" defTabSz="1536153">
-              <a:lnSpc>
-                <a:spcPct val="100000"/>
-              </a:lnSpc>
-              <a:spcBef>
-                <a:spcPts val="2800"/>
-              </a:spcBef>
-              <a:defRPr sz="3024"/>
-            </a:pPr>
-            <a:r>
-              <a:rPr dirty="0"/>
-              <a:t>改善点：ゲーム性</a:t>
-            </a:r>
-          </a:p>
-          <a:p>
-            <a:pPr marL="1152144" lvl="2" indent="-384047" defTabSz="1536153">
-              <a:lnSpc>
-                <a:spcPct val="100000"/>
-              </a:lnSpc>
-              <a:spcBef>
-                <a:spcPts val="2800"/>
-              </a:spcBef>
-              <a:defRPr sz="3024"/>
-            </a:pPr>
-            <a:r>
-              <a:rPr dirty="0"/>
-              <a:t>初学者でもプラクティス適用による解決を想起しやすいプラクティスカードを追加する</a:t>
-            </a:r>
-          </a:p>
-          <a:p>
-            <a:pPr marL="1152144" lvl="2" indent="-384047" defTabSz="1536153">
-              <a:lnSpc>
-                <a:spcPct val="100000"/>
-              </a:lnSpc>
-              <a:spcBef>
-                <a:spcPts val="2800"/>
-              </a:spcBef>
-              <a:defRPr sz="3024"/>
-            </a:pPr>
-            <a:r>
-              <a:rPr dirty="0"/>
-              <a:t>妨害カードの追加し、カード取得の戦略性を向上させる</a:t>
-            </a:r>
-          </a:p>
-          <a:p>
-            <a:pPr marL="768095" lvl="1" indent="-384047" defTabSz="1536153">
-              <a:lnSpc>
-                <a:spcPct val="100000"/>
-              </a:lnSpc>
-              <a:spcBef>
-                <a:spcPts val="2800"/>
-              </a:spcBef>
-              <a:defRPr sz="3024"/>
-            </a:pPr>
-            <a:r>
-              <a:rPr dirty="0"/>
-              <a:t>改善点：学習面</a:t>
-            </a:r>
-          </a:p>
-          <a:p>
-            <a:pPr marL="1152144" lvl="2" indent="-384047" defTabSz="1536153">
-              <a:lnSpc>
-                <a:spcPct val="100000"/>
-              </a:lnSpc>
-              <a:spcBef>
-                <a:spcPts val="2800"/>
-              </a:spcBef>
-              <a:defRPr sz="3024"/>
-            </a:pPr>
-            <a:r>
-              <a:rPr dirty="0"/>
-              <a:t>ゲームをおこなう人が持つ自動テストの課題を課題カードとして追加する</a:t>
-            </a:r>
-          </a:p>
-          <a:p>
-            <a:pPr marL="1152144" lvl="2" indent="-384047" defTabSz="1536153">
-              <a:lnSpc>
-                <a:spcPct val="100000"/>
-              </a:lnSpc>
-              <a:spcBef>
-                <a:spcPts val="2800"/>
-              </a:spcBef>
-              <a:defRPr sz="3024"/>
-            </a:pPr>
-            <a:r>
-              <a:rPr dirty="0"/>
-              <a:t>既存の他のプラクティスを組み込んでプラクティスカードを増やす</a:t>
-            </a:r>
+            <a:endParaRPr dirty="0"/>
           </a:p>
         </p:txBody>
       </p:sp>
     </p:spTree>
+    <p:extLst>
+      <p:ext uri="{BB962C8B-B14F-4D97-AF65-F5344CB8AC3E}">
+        <p14:creationId xmlns:p14="http://schemas.microsoft.com/office/powerpoint/2010/main" val="3887493058"/>
+      </p:ext>
+    </p:extLst>
   </p:cSld>
   <p:clrMapOvr>
     <a:masterClrMapping/>
@@ -31251,9 +31337,10 @@
           <a:lstStyle/>
           <a:p>
             <a:r>
-              <a:rPr dirty="0"/>
+              <a:rPr dirty="0" err="1"/>
               <a:t>発表の流れ</a:t>
             </a:r>
+            <a:endParaRPr dirty="0"/>
           </a:p>
         </p:txBody>
       </p:sp>
@@ -31433,7 +31520,7 @@
           </a:prstGeom>
           <a:extLst>
             <a:ext uri="{C572A759-6A51-4108-AA02-DFA0A04FC94B}">
-              <ma14:wrappingTextBoxFlag xmlns:ma14="http://schemas.microsoft.com/office/mac/drawingml/2011/main" xmlns:a14="http://schemas.microsoft.com/office/drawing/2010/main" xmlns:m="http://schemas.openxmlformats.org/officeDocument/2006/math" xmlns="" val="1"/>
+              <ma14:wrappingTextBoxFlag xmlns="" xmlns:m="http://schemas.openxmlformats.org/officeDocument/2006/math" xmlns:a14="http://schemas.microsoft.com/office/drawing/2010/main" xmlns:ma14="http://schemas.microsoft.com/office/mac/drawingml/2011/main" val="1"/>
             </a:ext>
           </a:extLst>
         </p:spPr>
@@ -31845,7 +31932,7 @@
           </a:prstGeom>
           <a:extLst>
             <a:ext uri="{C572A759-6A51-4108-AA02-DFA0A04FC94B}">
-              <ma14:wrappingTextBoxFlag xmlns:ma14="http://schemas.microsoft.com/office/mac/drawingml/2011/main" xmlns:a14="http://schemas.microsoft.com/office/drawing/2010/main" xmlns:m="http://schemas.openxmlformats.org/officeDocument/2006/math" xmlns="" val="1"/>
+              <ma14:wrappingTextBoxFlag xmlns="" xmlns:m="http://schemas.openxmlformats.org/officeDocument/2006/math" xmlns:a14="http://schemas.microsoft.com/office/drawing/2010/main" xmlns:ma14="http://schemas.microsoft.com/office/mac/drawingml/2011/main" val="1"/>
             </a:ext>
           </a:extLst>
         </p:spPr>
@@ -36128,7 +36215,7 @@
           </a:prstGeom>
           <a:extLst>
             <a:ext uri="{C572A759-6A51-4108-AA02-DFA0A04FC94B}">
-              <ma14:wrappingTextBoxFlag xmlns:ma14="http://schemas.microsoft.com/office/mac/drawingml/2011/main" xmlns:a14="http://schemas.microsoft.com/office/drawing/2010/main" xmlns:m="http://schemas.openxmlformats.org/officeDocument/2006/math" xmlns="" val="1"/>
+              <ma14:wrappingTextBoxFlag xmlns="" xmlns:m="http://schemas.openxmlformats.org/officeDocument/2006/math" xmlns:a14="http://schemas.microsoft.com/office/drawing/2010/main" xmlns:ma14="http://schemas.microsoft.com/office/mac/drawingml/2011/main" val="1"/>
             </a:ext>
           </a:extLst>
         </p:spPr>
@@ -40377,7 +40464,7 @@
           </a:prstGeom>
           <a:extLst>
             <a:ext uri="{C572A759-6A51-4108-AA02-DFA0A04FC94B}">
-              <ma14:wrappingTextBoxFlag xmlns:ma14="http://schemas.microsoft.com/office/mac/drawingml/2011/main" xmlns:a14="http://schemas.microsoft.com/office/drawing/2010/main" xmlns:m="http://schemas.openxmlformats.org/officeDocument/2006/math" xmlns="" val="1"/>
+              <ma14:wrappingTextBoxFlag xmlns="" xmlns:m="http://schemas.openxmlformats.org/officeDocument/2006/math" xmlns:a14="http://schemas.microsoft.com/office/drawing/2010/main" xmlns:ma14="http://schemas.microsoft.com/office/mac/drawingml/2011/main" val="1"/>
             </a:ext>
           </a:extLst>
         </p:spPr>
@@ -43589,6 +43676,173 @@
           </p:spPr>
         </p:pic>
       </p:grpSp>
+    </p:spTree>
+  </p:cSld>
+  <p:clrMapOvr>
+    <a:masterClrMapping/>
+  </p:clrMapOvr>
+  <p:transition spd="med"/>
+</p:sld>
+</file>
+
+<file path=ppt/slides/slide25.xml><?xml version="1.0" encoding="utf-8"?>
+<p:sld xmlns:a="http://schemas.openxmlformats.org/drawingml/2006/main" xmlns:r="http://schemas.openxmlformats.org/officeDocument/2006/relationships" xmlns:p="http://schemas.openxmlformats.org/presentationml/2006/main">
+  <p:cSld>
+    <p:spTree>
+      <p:nvGrpSpPr>
+        <p:cNvPr id="1" name=""/>
+        <p:cNvGrpSpPr/>
+        <p:nvPr/>
+      </p:nvGrpSpPr>
+      <p:grpSpPr>
+        <a:xfrm>
+          <a:off x="0" y="0"/>
+          <a:ext cx="0" cy="0"/>
+          <a:chOff x="0" y="0"/>
+          <a:chExt cx="0" cy="0"/>
+        </a:xfrm>
+      </p:grpSpPr>
+      <p:sp>
+        <p:nvSpPr>
+          <p:cNvPr id="984" name="ゲームの具体的なルールや進め方"/>
+          <p:cNvSpPr txBox="1">
+            <a:spLocks noGrp="1"/>
+          </p:cNvSpPr>
+          <p:nvPr>
+            <p:ph type="title"/>
+          </p:nvPr>
+        </p:nvSpPr>
+        <p:spPr>
+          <a:prstGeom prst="rect">
+            <a:avLst/>
+          </a:prstGeom>
+        </p:spPr>
+        <p:txBody>
+          <a:bodyPr/>
+          <a:lstStyle/>
+          <a:p>
+            <a:r>
+              <a:rPr dirty="0"/>
+              <a:t>ゲームの具体的なルールや進め方</a:t>
+            </a:r>
+          </a:p>
+        </p:txBody>
+      </p:sp>
+      <p:sp>
+        <p:nvSpPr>
+          <p:cNvPr id="985" name="FAQ"/>
+          <p:cNvSpPr txBox="1">
+            <a:spLocks noGrp="1"/>
+          </p:cNvSpPr>
+          <p:nvPr>
+            <p:ph type="body" idx="21"/>
+          </p:nvPr>
+        </p:nvSpPr>
+        <p:spPr>
+          <a:prstGeom prst="rect">
+            <a:avLst/>
+          </a:prstGeom>
+          <a:extLst>
+            <a:ext uri="{C572A759-6A51-4108-AA02-DFA0A04FC94B}">
+              <ma14:wrappingTextBoxFlag xmlns="" xmlns:m="http://schemas.openxmlformats.org/officeDocument/2006/math" xmlns:a14="http://schemas.microsoft.com/office/drawing/2010/main" xmlns:ma14="http://schemas.microsoft.com/office/mac/drawingml/2011/main" val="1"/>
+            </a:ext>
+          </a:extLst>
+        </p:spPr>
+        <p:txBody>
+          <a:bodyPr/>
+          <a:lstStyle/>
+          <a:p>
+            <a:r>
+              <a:rPr dirty="0"/>
+              <a:t>FAQ</a:t>
+            </a:r>
+          </a:p>
+        </p:txBody>
+      </p:sp>
+      <p:sp>
+        <p:nvSpPr>
+          <p:cNvPr id="986" name="Q.「用意している課題に対する基本的な回答はありますか？」…"/>
+          <p:cNvSpPr txBox="1">
+            <a:spLocks noGrp="1"/>
+          </p:cNvSpPr>
+          <p:nvPr>
+            <p:ph type="body" sz="half" idx="1"/>
+          </p:nvPr>
+        </p:nvSpPr>
+        <p:spPr>
+          <a:xfrm>
+            <a:off x="1206500" y="4248504"/>
+            <a:ext cx="21971000" cy="4539740"/>
+          </a:xfrm>
+          <a:prstGeom prst="rect">
+            <a:avLst/>
+          </a:prstGeom>
+        </p:spPr>
+        <p:txBody>
+          <a:bodyPr/>
+          <a:lstStyle/>
+          <a:p>
+            <a:pPr marL="469391" indent="-469391" defTabSz="1877520">
+              <a:lnSpc>
+                <a:spcPct val="100000"/>
+              </a:lnSpc>
+              <a:spcBef>
+                <a:spcPts val="3400"/>
+              </a:spcBef>
+              <a:defRPr sz="3696"/>
+            </a:pPr>
+            <a:r>
+              <a:rPr dirty="0"/>
+              <a:t>Q.「用意している課題に対する基本的な回答はありますか？」</a:t>
+            </a:r>
+          </a:p>
+          <a:p>
+            <a:pPr marL="938783" lvl="1" indent="-469391" defTabSz="1877520">
+              <a:lnSpc>
+                <a:spcPct val="100000"/>
+              </a:lnSpc>
+              <a:spcBef>
+                <a:spcPts val="3400"/>
+              </a:spcBef>
+              <a:defRPr sz="3696"/>
+            </a:pPr>
+            <a:r>
+              <a:rPr dirty="0"/>
+              <a:t>A. 課題リストに参考となる対応プラクティスを1例として掲載しています。</a:t>
+            </a:r>
+          </a:p>
+          <a:p>
+            <a:pPr marL="469391" indent="-469391" defTabSz="1877520">
+              <a:lnSpc>
+                <a:spcPct val="100000"/>
+              </a:lnSpc>
+              <a:spcBef>
+                <a:spcPts val="3400"/>
+              </a:spcBef>
+              <a:defRPr sz="3696"/>
+            </a:pPr>
+            <a:r>
+              <a:rPr dirty="0"/>
+              <a:t>Q.「プラクティスに書かれていることが具体的には良く分からない」</a:t>
+            </a:r>
+          </a:p>
+          <a:p>
+            <a:pPr marL="938783" lvl="1" indent="-469391" defTabSz="1877520">
+              <a:lnSpc>
+                <a:spcPct val="100000"/>
+              </a:lnSpc>
+              <a:spcBef>
+                <a:spcPts val="3400"/>
+              </a:spcBef>
+              <a:defRPr sz="3696"/>
+            </a:pPr>
+            <a:r>
+              <a:rPr dirty="0"/>
+              <a:t>A. 申し訳ないですが、詳しい人に聞くか調べていただけると助かります。もしくは、私たちに質問ください。</a:t>
+            </a:r>
+          </a:p>
+        </p:txBody>
+      </p:sp>
     </p:spTree>
   </p:cSld>
   <p:clrMapOvr>
@@ -43739,9 +43993,10 @@
               <a:defRPr sz="3504"/>
             </a:pPr>
             <a:r>
-              <a:rPr dirty="0"/>
+              <a:rPr dirty="0" err="1"/>
               <a:t>自動テストの実施や効果的におこなうためのプラクティスやパターンは、既に多くのものが提案されている</a:t>
             </a:r>
+            <a:endParaRPr dirty="0"/>
           </a:p>
           <a:p>
             <a:pPr marL="890016" lvl="1" indent="-445008" defTabSz="1779987">
@@ -43751,11 +44006,11 @@
               <a:defRPr sz="3504"/>
             </a:pPr>
             <a:r>
-              <a:rPr dirty="0"/>
+              <a:rPr dirty="0" err="1"/>
               <a:t>関西検証コレクションによる「</a:t>
             </a:r>
             <a:r>
-              <a:rPr u="sng" dirty="0">
+              <a:rPr u="sng" dirty="0" err="1">
                 <a:hlinkClick r:id="rId2"/>
               </a:rPr>
               <a:t>テスト自動化パターン言語プロジェクト</a:t>
@@ -43786,7 +44041,15 @@
             </a:pPr>
             <a:r>
               <a:rPr dirty="0"/>
-              <a:t>「自動化ハイ」</a:t>
+              <a:t>「</a:t>
+            </a:r>
+            <a:r>
+              <a:rPr dirty="0" err="1"/>
+              <a:t>自動化ハイ</a:t>
+            </a:r>
+            <a:r>
+              <a:rPr dirty="0"/>
+              <a:t>」</a:t>
             </a:r>
           </a:p>
           <a:p>
@@ -43797,9 +44060,10 @@
               <a:defRPr sz="3504"/>
             </a:pPr>
             <a:r>
-              <a:rPr dirty="0"/>
+              <a:rPr dirty="0" err="1"/>
               <a:t>など</a:t>
             </a:r>
+            <a:endParaRPr dirty="0"/>
           </a:p>
           <a:p>
             <a:pPr marL="890016" lvl="1" indent="-445008" defTabSz="1779987">
@@ -43809,14 +44073,36 @@
               <a:defRPr sz="3504"/>
             </a:pPr>
             <a:r>
+              <a:rPr dirty="0" err="1"/>
+              <a:t>Seretta</a:t>
+            </a:r>
+            <a:r>
               <a:rPr dirty="0"/>
-              <a:t>Seretta Gamba, Dorothy Graham らによる「</a:t>
+              <a:t> </a:t>
+            </a:r>
+            <a:r>
+              <a:rPr dirty="0" err="1"/>
+              <a:t>Gamba</a:t>
+            </a:r>
+            <a:r>
+              <a:rPr dirty="0"/>
+              <a:t>, Dorothy Graham </a:t>
+            </a:r>
+            <a:r>
+              <a:rPr dirty="0" err="1"/>
+              <a:t>らによる「</a:t>
+            </a:r>
+            <a:r>
+              <a:rPr u="sng" dirty="0" err="1">
+                <a:hlinkClick r:id="rId3"/>
+              </a:rPr>
+              <a:t>Test</a:t>
             </a:r>
             <a:r>
               <a:rPr u="sng" dirty="0">
                 <a:hlinkClick r:id="rId3"/>
               </a:rPr>
-              <a:t>Test Automation Patterns Wiki</a:t>
+              <a:t> Automation Patterns Wiki</a:t>
             </a:r>
             <a:r>
               <a:rPr dirty="0"/>
@@ -43855,9 +44141,10 @@
               <a:defRPr sz="3504"/>
             </a:pPr>
             <a:r>
-              <a:rPr dirty="0"/>
+              <a:rPr dirty="0" err="1"/>
               <a:t>など</a:t>
             </a:r>
+            <a:endParaRPr dirty="0"/>
           </a:p>
         </p:txBody>
       </p:sp>
@@ -43907,7 +44194,6 @@
           <a:lstStyle/>
           <a:p>
             <a:r>
-              <a:rPr dirty="0"/>
               <a:t>自動テストやテスト自動化のプラクティス</a:t>
             </a:r>
           </a:p>
@@ -43943,7 +44229,6 @@
               <a:defRPr sz="3888"/>
             </a:pPr>
             <a:r>
-              <a:rPr dirty="0"/>
               <a:t>私たちも独自のプラクティス集の整備を進めている</a:t>
             </a:r>
           </a:p>
@@ -43955,7 +44240,6 @@
               <a:defRPr sz="3888"/>
             </a:pPr>
             <a:r>
-              <a:rPr dirty="0"/>
               <a:t>「自動テストをやり過ぎない」</a:t>
             </a:r>
           </a:p>
@@ -43967,7 +44251,6 @@
               <a:defRPr sz="3888"/>
             </a:pPr>
             <a:r>
-              <a:rPr dirty="0"/>
               <a:t>「自分達のテストピラミッドを作る」</a:t>
             </a:r>
           </a:p>
@@ -43979,7 +44262,6 @@
               <a:defRPr sz="3888"/>
             </a:pPr>
             <a:r>
-              <a:rPr dirty="0"/>
               <a:t>「自動テストは開発チーム全員で運用するように話をする」</a:t>
             </a:r>
           </a:p>
@@ -43991,7 +44273,6 @@
               <a:defRPr sz="3888"/>
             </a:pPr>
             <a:r>
-              <a:rPr dirty="0"/>
               <a:t>「自動テストに関する良いフィードバックをできる人を開発チームにおく」</a:t>
             </a:r>
           </a:p>
@@ -44003,7 +44284,6 @@
               <a:defRPr sz="3888"/>
             </a:pPr>
             <a:r>
-              <a:rPr dirty="0"/>
               <a:t>「自動テストをセルフスタートできる教育コンテンツ」</a:t>
             </a:r>
           </a:p>
@@ -44015,7 +44295,6 @@
               <a:defRPr sz="3888"/>
             </a:pPr>
             <a:r>
-              <a:rPr dirty="0"/>
               <a:t>「テスト対象プロダクトの自動テストのサンプルコード」</a:t>
             </a:r>
           </a:p>
@@ -44030,17 +44309,15 @@
               <a:defRPr sz="3888"/>
             </a:pPr>
             <a:r>
-              <a:rPr dirty="0"/>
               <a:t>※ </a:t>
             </a:r>
             <a:r>
-              <a:rPr u="sng" dirty="0">
+              <a:rPr u="sng">
                 <a:hlinkClick r:id="rId2"/>
               </a:rPr>
               <a:t>https://github.com/teyamagu/test_automation_card_game</a:t>
             </a:r>
             <a:r>
-              <a:rPr dirty="0"/>
               <a:t> においてゲームの各種情報と合わせて公開しています</a:t>
             </a:r>
           </a:p>
@@ -44092,7 +44369,6 @@
           <a:lstStyle/>
           <a:p>
             <a:r>
-              <a:rPr dirty="0"/>
               <a:t>しかし…</a:t>
             </a:r>
           </a:p>
@@ -44127,13 +44403,11 @@
               </a:lnSpc>
             </a:pPr>
             <a:r>
-              <a:rPr dirty="0"/>
               <a:t>テストレベルによって程度はあるが、自動テストが当たり前におこなわれている状態ではない</a:t>
             </a:r>
           </a:p>
           <a:p>
             <a:r>
-              <a:rPr dirty="0"/>
               <a:t>自動テストに関する悩みを聞くことも多い</a:t>
             </a:r>
           </a:p>
@@ -44161,7 +44435,7 @@
           </a:ln>
           <a:extLst>
             <a:ext uri="{C572A759-6A51-4108-AA02-DFA0A04FC94B}">
-              <ma14:wrappingTextBoxFlag xmlns:ma14="http://schemas.microsoft.com/office/mac/drawingml/2011/main" xmlns:a14="http://schemas.microsoft.com/office/drawing/2010/main" xmlns:m="http://schemas.openxmlformats.org/officeDocument/2006/math" xmlns="" val="1"/>
+              <ma14:wrappingTextBoxFlag xmlns="" xmlns:m="http://schemas.openxmlformats.org/officeDocument/2006/math" xmlns:a14="http://schemas.microsoft.com/office/drawing/2010/main" xmlns:ma14="http://schemas.microsoft.com/office/mac/drawingml/2011/main" val="1"/>
             </a:ext>
           </a:extLst>
         </p:spPr>
@@ -44177,7 +44451,6 @@
               </a:lnSpc>
             </a:pPr>
             <a:r>
-              <a:rPr dirty="0"/>
               <a:t>上記の方々に話を聞いてみると、既存の自動テストに関するプラクティスやパターンが知られていないことがわかった</a:t>
             </a:r>
           </a:p>
@@ -44229,7 +44502,6 @@
           <a:lstStyle/>
           <a:p>
             <a:r>
-              <a:rPr dirty="0"/>
               <a:t>ゲームのねらい</a:t>
             </a:r>
           </a:p>
@@ -44251,7 +44523,7 @@
           </a:prstGeom>
           <a:extLst>
             <a:ext uri="{C572A759-6A51-4108-AA02-DFA0A04FC94B}">
-              <ma14:wrappingTextBoxFlag xmlns:ma14="http://schemas.microsoft.com/office/mac/drawingml/2011/main" xmlns:a14="http://schemas.microsoft.com/office/drawing/2010/main" xmlns:m="http://schemas.openxmlformats.org/officeDocument/2006/math" xmlns="" val="1"/>
+              <ma14:wrappingTextBoxFlag xmlns="" xmlns:m="http://schemas.openxmlformats.org/officeDocument/2006/math" xmlns:a14="http://schemas.microsoft.com/office/drawing/2010/main" xmlns:ma14="http://schemas.microsoft.com/office/mac/drawingml/2011/main" val="1"/>
             </a:ext>
           </a:extLst>
         </p:spPr>
@@ -44260,7 +44532,6 @@
           <a:lstStyle/>
           <a:p>
             <a:r>
-              <a:rPr dirty="0"/>
               <a:t>自動テストのプラクティスを効果的に学ぶためのカードゲーム</a:t>
             </a:r>
           </a:p>
@@ -44299,7 +44570,6 @@
               <a:defRPr sz="4560"/>
             </a:pPr>
             <a:r>
-              <a:rPr dirty="0"/>
               <a:t>自動テストのプラクティスと自動テストにまつわる様々な課題をカードの形にし、得点の付けられた課題カードをプラクティスカードで解決して得点を稼ぐカードゲームを開発した</a:t>
             </a:r>
           </a:p>
@@ -44314,7 +44584,6 @@
               <a:defRPr sz="4560"/>
             </a:pPr>
             <a:r>
-              <a:rPr dirty="0"/>
               <a:t>自動テストのプラクティスを詳しく知るとともに、自動テストの課題に対してどのようなプラクティスが適用できるのかをゲームで競い合うことを通じ学べることを目的としている</a:t>
             </a:r>
           </a:p>
@@ -44329,7 +44598,6 @@
               <a:defRPr sz="4560"/>
             </a:pPr>
             <a:r>
-              <a:rPr dirty="0"/>
               <a:t>勉強会などでプラクティスだけを学ぶよりも、課題とセットでプラクティスを学ぶことで、実用的な知識とする。また、自分達の課題に対して、プラクティスの適用を考えることで、明日から試していくプラクティスを知ることができる</a:t>
             </a:r>
           </a:p>
@@ -44381,7 +44649,6 @@
           <a:lstStyle/>
           <a:p>
             <a:r>
-              <a:rPr dirty="0"/>
               <a:t>ゲームの概要</a:t>
             </a:r>
           </a:p>
@@ -44403,7 +44670,7 @@
           </a:prstGeom>
           <a:extLst>
             <a:ext uri="{C572A759-6A51-4108-AA02-DFA0A04FC94B}">
-              <ma14:wrappingTextBoxFlag xmlns:ma14="http://schemas.microsoft.com/office/mac/drawingml/2011/main" xmlns:a14="http://schemas.microsoft.com/office/drawing/2010/main" xmlns:m="http://schemas.openxmlformats.org/officeDocument/2006/math" xmlns="" val="1"/>
+              <ma14:wrappingTextBoxFlag xmlns="" xmlns:m="http://schemas.openxmlformats.org/officeDocument/2006/math" xmlns:a14="http://schemas.microsoft.com/office/drawing/2010/main" xmlns:ma14="http://schemas.microsoft.com/office/mac/drawingml/2011/main" val="1"/>
             </a:ext>
           </a:extLst>
         </p:spPr>
@@ -44412,7 +44679,6 @@
           <a:lstStyle/>
           <a:p>
             <a:r>
-              <a:rPr dirty="0"/>
               <a:t>競争型のカードゲーム</a:t>
             </a:r>
           </a:p>
@@ -44451,7 +44717,6 @@
               <a:defRPr sz="3216"/>
             </a:pPr>
             <a:r>
-              <a:rPr dirty="0"/>
               <a:t>カード構成</a:t>
             </a:r>
           </a:p>
@@ -44466,7 +44731,6 @@
               <a:defRPr sz="3216"/>
             </a:pPr>
             <a:r>
-              <a:rPr dirty="0"/>
               <a:t>自動テストに関するプラクティスカードと得点付き課題カード</a:t>
             </a:r>
           </a:p>
@@ -44481,7 +44745,6 @@
               <a:defRPr sz="3216"/>
             </a:pPr>
             <a:r>
-              <a:rPr dirty="0"/>
               <a:t>ゲームの流れ</a:t>
             </a:r>
           </a:p>
@@ -44496,7 +44759,6 @@
               <a:defRPr sz="3216"/>
             </a:pPr>
             <a:r>
-              <a:rPr dirty="0"/>
               <a:t>2名以上でゲームをおこなう</a:t>
             </a:r>
           </a:p>
@@ -44511,7 +44773,6 @@
               <a:defRPr sz="3216"/>
             </a:pPr>
             <a:r>
-              <a:rPr dirty="0"/>
               <a:t>各プレイヤーが、課題カードに対して、その課題を解決できそうな手持ちのプラクティスカードを出し、他の参加者と解決できそうか議論して、解決できそうならその課題カードを獲得する。</a:t>
             </a:r>
           </a:p>
@@ -44526,7 +44787,6 @@
               <a:defRPr sz="3216"/>
             </a:pPr>
             <a:r>
-              <a:rPr dirty="0"/>
               <a:t>順次、プレイヤーが出していき、プラクティスカードの山札ならびに全てのプレイヤーのプラクティスカードがなくなった、もしくは課題カードの山札がなくなった状態で全てのプレイヤーがプラクティスカードを出せなかったら、その時点でゲーム終了とする。</a:t>
             </a:r>
           </a:p>
@@ -44541,7 +44801,6 @@
               <a:defRPr sz="3216"/>
             </a:pPr>
             <a:r>
-              <a:rPr dirty="0"/>
               <a:t>ゲームの勝敗のルール</a:t>
             </a:r>
           </a:p>
@@ -44556,7 +44815,6 @@
               <a:defRPr sz="3216"/>
             </a:pPr>
             <a:r>
-              <a:rPr dirty="0"/>
               <a:t>ゲーム終了時点で、獲得した課題の合計得点が最も多い人をゲームの勝者とする</a:t>
             </a:r>
           </a:p>
@@ -44744,7 +45002,6 @@
           <a:lstStyle/>
           <a:p>
             <a:r>
-              <a:rPr dirty="0"/>
               <a:t>プラクティスカードや課題カード</a:t>
             </a:r>
           </a:p>
@@ -44766,7 +45023,7 @@
           </a:prstGeom>
           <a:extLst>
             <a:ext uri="{C572A759-6A51-4108-AA02-DFA0A04FC94B}">
-              <ma14:wrappingTextBoxFlag xmlns:ma14="http://schemas.microsoft.com/office/mac/drawingml/2011/main" xmlns:a14="http://schemas.microsoft.com/office/drawing/2010/main" xmlns:m="http://schemas.openxmlformats.org/officeDocument/2006/math" xmlns="" val="1"/>
+              <ma14:wrappingTextBoxFlag xmlns="" xmlns:m="http://schemas.openxmlformats.org/officeDocument/2006/math" xmlns:a14="http://schemas.microsoft.com/office/drawing/2010/main" xmlns:ma14="http://schemas.microsoft.com/office/mac/drawingml/2011/main" val="1"/>
             </a:ext>
           </a:extLst>
         </p:spPr>
@@ -44775,7 +45032,6 @@
           <a:lstStyle/>
           <a:p>
             <a:r>
-              <a:rPr dirty="0"/>
               <a:t>私たちのプラクティス集やサンプルである課題の一部</a:t>
             </a:r>
           </a:p>
@@ -44811,17 +45067,15 @@
               <a:defRPr sz="3072"/>
             </a:pPr>
             <a:r>
-              <a:rPr dirty="0"/>
               <a:t>※ </a:t>
             </a:r>
             <a:r>
-              <a:rPr u="sng" dirty="0">
+              <a:rPr u="sng">
                 <a:hlinkClick r:id="rId2"/>
               </a:rPr>
               <a:t>https://github.com/teyamagu/test_automation_card_game</a:t>
             </a:r>
             <a:r>
-              <a:rPr dirty="0"/>
               <a:t> においてゲームの各種情報と合わせて公開しています</a:t>
             </a:r>
           </a:p>
@@ -45016,7 +45270,7 @@
                     <a:p>
                       <a:pPr algn="l" defTabSz="457200"/>
                       <a:r>
-                        <a:rPr sz="2400" dirty="0">
+                        <a:rPr sz="2400">
                           <a:solidFill>
                             <a:srgbClr val="FFFFFF"/>
                           </a:solidFill>
@@ -45042,7 +45296,7 @@
                     <a:p>
                       <a:pPr algn="l" defTabSz="457200"/>
                       <a:r>
-                        <a:rPr sz="2400" dirty="0">
+                        <a:rPr sz="2400">
                           <a:solidFill>
                             <a:srgbClr val="FFFFFF"/>
                           </a:solidFill>
@@ -45068,7 +45322,7 @@
                     <a:p>
                       <a:pPr algn="l" defTabSz="457200"/>
                       <a:r>
-                        <a:rPr sz="2400" dirty="0">
+                        <a:rPr sz="2400">
                           <a:solidFill>
                             <a:srgbClr val="FFFFFF"/>
                           </a:solidFill>
@@ -45105,7 +45359,7 @@
                         </a:lnSpc>
                       </a:pPr>
                       <a:r>
-                        <a:rPr sz="2400" dirty="0">
+                        <a:rPr sz="2400">
                           <a:latin typeface="Avenir Next Regular"/>
                           <a:ea typeface="Avenir Next Regular"/>
                           <a:cs typeface="Avenir Next Regular"/>
@@ -45128,7 +45382,7 @@
                         </a:lnSpc>
                       </a:pPr>
                       <a:r>
-                        <a:rPr sz="2400" dirty="0">
+                        <a:rPr sz="2400">
                           <a:latin typeface="Avenir Next Regular"/>
                           <a:ea typeface="Avenir Next Regular"/>
                           <a:cs typeface="Avenir Next Regular"/>
@@ -45151,7 +45405,7 @@
                         </a:lnSpc>
                       </a:pPr>
                       <a:r>
-                        <a:rPr sz="2400" dirty="0">
+                        <a:rPr sz="2400">
                           <a:latin typeface="Avenir Next Regular"/>
                           <a:ea typeface="Avenir Next Regular"/>
                           <a:cs typeface="Avenir Next Regular"/>
@@ -45183,7 +45437,7 @@
                         </a:lnSpc>
                       </a:pPr>
                       <a:r>
-                        <a:rPr sz="2400" dirty="0">
+                        <a:rPr sz="2400">
                           <a:latin typeface="Avenir Next Regular"/>
                           <a:ea typeface="Avenir Next Regular"/>
                           <a:cs typeface="Avenir Next Regular"/>
@@ -45206,7 +45460,7 @@
                         </a:lnSpc>
                       </a:pPr>
                       <a:r>
-                        <a:rPr sz="2400" dirty="0">
+                        <a:rPr sz="2400">
                           <a:latin typeface="Avenir Next Regular"/>
                           <a:ea typeface="Avenir Next Regular"/>
                           <a:cs typeface="Avenir Next Regular"/>
@@ -45229,7 +45483,7 @@
                         </a:lnSpc>
                       </a:pPr>
                       <a:r>
-                        <a:rPr sz="2400" dirty="0">
+                        <a:rPr sz="2400">
                           <a:latin typeface="Avenir Next Regular"/>
                           <a:ea typeface="Avenir Next Regular"/>
                           <a:cs typeface="Avenir Next Regular"/>
@@ -45260,7 +45514,7 @@
                         </a:lnSpc>
                       </a:pPr>
                       <a:r>
-                        <a:rPr sz="2400" dirty="0">
+                        <a:rPr sz="2400">
                           <a:latin typeface="Avenir Next Regular"/>
                           <a:ea typeface="Avenir Next Regular"/>
                           <a:cs typeface="Avenir Next Regular"/>
@@ -45283,7 +45537,7 @@
                         </a:lnSpc>
                       </a:pPr>
                       <a:r>
-                        <a:rPr sz="2400" dirty="0">
+                        <a:rPr sz="2400">
                           <a:latin typeface="Avenir Next Regular"/>
                           <a:ea typeface="Avenir Next Regular"/>
                           <a:cs typeface="Avenir Next Regular"/>
@@ -45306,7 +45560,7 @@
                         </a:lnSpc>
                       </a:pPr>
                       <a:r>
-                        <a:rPr sz="2400" dirty="0">
+                        <a:rPr sz="2400">
                           <a:latin typeface="Avenir Next Regular"/>
                           <a:ea typeface="Avenir Next Regular"/>
                           <a:cs typeface="Avenir Next Regular"/>
@@ -45339,7 +45593,7 @@
                         </a:lnSpc>
                       </a:pPr>
                       <a:r>
-                        <a:rPr sz="2400" dirty="0">
+                        <a:rPr sz="2400">
                           <a:latin typeface="Avenir Next Regular"/>
                           <a:ea typeface="Avenir Next Regular"/>
                           <a:cs typeface="Avenir Next Regular"/>
@@ -45362,7 +45616,7 @@
                         </a:lnSpc>
                       </a:pPr>
                       <a:r>
-                        <a:rPr sz="2400" dirty="0">
+                        <a:rPr sz="2400">
                           <a:latin typeface="Avenir Next Regular"/>
                           <a:ea typeface="Avenir Next Regular"/>
                           <a:cs typeface="Avenir Next Regular"/>
@@ -45385,7 +45639,7 @@
                         </a:lnSpc>
                       </a:pPr>
                       <a:r>
-                        <a:rPr sz="2400" dirty="0">
+                        <a:rPr sz="2400">
                           <a:latin typeface="Avenir Next Regular"/>
                           <a:ea typeface="Avenir Next Regular"/>
                           <a:cs typeface="Avenir Next Regular"/>
@@ -45415,7 +45669,7 @@
                         </a:lnSpc>
                       </a:pPr>
                       <a:r>
-                        <a:rPr sz="2400" dirty="0">
+                        <a:rPr sz="2400">
                           <a:latin typeface="Avenir Next Regular"/>
                           <a:ea typeface="Avenir Next Regular"/>
                           <a:cs typeface="Avenir Next Regular"/>
@@ -45438,7 +45692,7 @@
                         </a:lnSpc>
                       </a:pPr>
                       <a:r>
-                        <a:rPr sz="2400" dirty="0">
+                        <a:rPr sz="2400">
                           <a:latin typeface="Avenir Next Regular"/>
                           <a:ea typeface="Avenir Next Regular"/>
                           <a:cs typeface="Avenir Next Regular"/>
@@ -45461,7 +45715,7 @@
                         </a:lnSpc>
                       </a:pPr>
                       <a:r>
-                        <a:rPr sz="2400" dirty="0">
+                        <a:rPr sz="2400">
                           <a:latin typeface="Avenir Next Regular"/>
                           <a:ea typeface="Avenir Next Regular"/>
                           <a:cs typeface="Avenir Next Regular"/>
@@ -45492,7 +45746,7 @@
                         </a:lnSpc>
                       </a:pPr>
                       <a:r>
-                        <a:rPr sz="2400" dirty="0">
+                        <a:rPr sz="2400">
                           <a:latin typeface="Avenir Next Regular"/>
                           <a:ea typeface="Avenir Next Regular"/>
                           <a:cs typeface="Avenir Next Regular"/>
@@ -45515,7 +45769,7 @@
                         </a:lnSpc>
                       </a:pPr>
                       <a:r>
-                        <a:rPr sz="2400" dirty="0">
+                        <a:rPr sz="2400">
                           <a:latin typeface="Avenir Next Regular"/>
                           <a:ea typeface="Avenir Next Regular"/>
                           <a:cs typeface="Avenir Next Regular"/>
@@ -45538,7 +45792,7 @@
                         </a:lnSpc>
                       </a:pPr>
                       <a:r>
-                        <a:rPr sz="2400" dirty="0">
+                        <a:rPr sz="2400">
                           <a:latin typeface="Avenir Next Regular"/>
                           <a:ea typeface="Avenir Next Regular"/>
                           <a:cs typeface="Avenir Next Regular"/>
@@ -45573,7 +45827,7 @@
                         </a:lnSpc>
                       </a:pPr>
                       <a:r>
-                        <a:rPr sz="2400" dirty="0">
+                        <a:rPr sz="2400">
                           <a:latin typeface="Avenir Next Regular"/>
                           <a:ea typeface="Avenir Next Regular"/>
                           <a:cs typeface="Avenir Next Regular"/>
@@ -45596,7 +45850,7 @@
                         </a:lnSpc>
                       </a:pPr>
                       <a:r>
-                        <a:rPr sz="2400" dirty="0">
+                        <a:rPr sz="2400">
                           <a:latin typeface="Avenir Next Regular"/>
                           <a:ea typeface="Avenir Next Regular"/>
                           <a:cs typeface="Avenir Next Regular"/>
@@ -45619,7 +45873,7 @@
                         </a:lnSpc>
                       </a:pPr>
                       <a:r>
-                        <a:rPr sz="2400" dirty="0">
+                        <a:rPr sz="2400">
                           <a:latin typeface="Avenir Next Regular"/>
                           <a:ea typeface="Avenir Next Regular"/>
                           <a:cs typeface="Avenir Next Regular"/>
